--- a/presentation/eva.pptx
+++ b/presentation/eva.pptx
@@ -282,7 +282,7 @@
           </a:lstStyle>
           <a:p>
             <a:r>
-              <a:rPr lang="de-DE" smtClean="0"/>
+              <a:rPr lang="de-DE"/>
               <a:t>Mastertitelformat bearbeiten</a:t>
             </a:r>
             <a:endParaRPr lang="en-US" dirty="0"/>
@@ -354,7 +354,7 @@
           </a:lstStyle>
           <a:p>
             <a:r>
-              <a:rPr lang="de-DE" smtClean="0"/>
+              <a:rPr lang="de-DE"/>
               <a:t>Master-Untertitelformat bearbeiten</a:t>
             </a:r>
             <a:endParaRPr lang="en-US" dirty="0"/>
@@ -379,7 +379,7 @@
             <a:fld id="{B61BEF0D-F0BB-DE4B-95CE-6DB70DBA9567}" type="datetimeFigureOut">
               <a:rPr lang="en-US" smtClean="0"/>
               <a:pPr/>
-              <a:t>9/15/16</a:t>
+              <a:t>9/15/2016</a:t>
             </a:fld>
             <a:endParaRPr lang="en-US" dirty="0"/>
           </a:p>
@@ -517,7 +517,7 @@
           <a:lstStyle/>
           <a:p>
             <a:r>
-              <a:rPr lang="de-DE" smtClean="0"/>
+              <a:rPr lang="de-DE"/>
               <a:t>Mastertitelformat bearbeiten</a:t>
             </a:r>
             <a:endParaRPr lang="en-US" dirty="0"/>
@@ -541,35 +541,35 @@
           <a:p>
             <a:pPr lvl="0"/>
             <a:r>
-              <a:rPr lang="de-DE" smtClean="0"/>
+              <a:rPr lang="de-DE"/>
               <a:t>Mastertextformat bearbeiten</a:t>
             </a:r>
           </a:p>
           <a:p>
             <a:pPr lvl="1"/>
             <a:r>
-              <a:rPr lang="de-DE" smtClean="0"/>
+              <a:rPr lang="de-DE"/>
               <a:t>Zweite Ebene</a:t>
             </a:r>
           </a:p>
           <a:p>
             <a:pPr lvl="2"/>
             <a:r>
-              <a:rPr lang="de-DE" smtClean="0"/>
+              <a:rPr lang="de-DE"/>
               <a:t>Dritte Ebene</a:t>
             </a:r>
           </a:p>
           <a:p>
             <a:pPr lvl="3"/>
             <a:r>
-              <a:rPr lang="de-DE" smtClean="0"/>
+              <a:rPr lang="de-DE"/>
               <a:t>Vierte Ebene</a:t>
             </a:r>
           </a:p>
           <a:p>
             <a:pPr lvl="4"/>
             <a:r>
-              <a:rPr lang="de-DE" smtClean="0"/>
+              <a:rPr lang="de-DE"/>
               <a:t>Fünfte Ebene</a:t>
             </a:r>
             <a:endParaRPr lang="en-US" dirty="0"/>
@@ -593,7 +593,7 @@
           <a:p>
             <a:fld id="{55C6B4A9-1611-4792-9094-5F34BCA07E0B}" type="datetimeFigureOut">
               <a:rPr lang="en-US" smtClean="0"/>
-              <a:t>9/15/16</a:t>
+              <a:t>9/15/2016</a:t>
             </a:fld>
             <a:endParaRPr lang="en-US" dirty="0"/>
           </a:p>
@@ -768,7 +768,7 @@
           <a:lstStyle/>
           <a:p>
             <a:r>
-              <a:rPr lang="de-DE" smtClean="0"/>
+              <a:rPr lang="de-DE"/>
               <a:t>Mastertitelformat bearbeiten</a:t>
             </a:r>
             <a:endParaRPr lang="en-US" dirty="0"/>
@@ -797,35 +797,35 @@
           <a:p>
             <a:pPr lvl="0"/>
             <a:r>
-              <a:rPr lang="de-DE" smtClean="0"/>
+              <a:rPr lang="de-DE"/>
               <a:t>Mastertextformat bearbeiten</a:t>
             </a:r>
           </a:p>
           <a:p>
             <a:pPr lvl="1"/>
             <a:r>
-              <a:rPr lang="de-DE" smtClean="0"/>
+              <a:rPr lang="de-DE"/>
               <a:t>Zweite Ebene</a:t>
             </a:r>
           </a:p>
           <a:p>
             <a:pPr lvl="2"/>
             <a:r>
-              <a:rPr lang="de-DE" smtClean="0"/>
+              <a:rPr lang="de-DE"/>
               <a:t>Dritte Ebene</a:t>
             </a:r>
           </a:p>
           <a:p>
             <a:pPr lvl="3"/>
             <a:r>
-              <a:rPr lang="de-DE" smtClean="0"/>
+              <a:rPr lang="de-DE"/>
               <a:t>Vierte Ebene</a:t>
             </a:r>
           </a:p>
           <a:p>
             <a:pPr lvl="4"/>
             <a:r>
-              <a:rPr lang="de-DE" smtClean="0"/>
+              <a:rPr lang="de-DE"/>
               <a:t>Fünfte Ebene</a:t>
             </a:r>
             <a:endParaRPr lang="en-US" dirty="0"/>
@@ -850,7 +850,7 @@
             <a:fld id="{B61BEF0D-F0BB-DE4B-95CE-6DB70DBA9567}" type="datetimeFigureOut">
               <a:rPr lang="en-US" smtClean="0"/>
               <a:pPr/>
-              <a:t>9/15/16</a:t>
+              <a:t>9/15/2016</a:t>
             </a:fld>
             <a:endParaRPr lang="en-US" dirty="0"/>
           </a:p>
@@ -950,7 +950,7 @@
           <a:lstStyle/>
           <a:p>
             <a:r>
-              <a:rPr lang="de-DE" smtClean="0"/>
+              <a:rPr lang="de-DE"/>
               <a:t>Mastertitelformat bearbeiten</a:t>
             </a:r>
             <a:endParaRPr lang="en-US" dirty="0"/>
@@ -974,35 +974,35 @@
           <a:p>
             <a:pPr lvl="0"/>
             <a:r>
-              <a:rPr lang="de-DE" smtClean="0"/>
+              <a:rPr lang="de-DE"/>
               <a:t>Mastertextformat bearbeiten</a:t>
             </a:r>
           </a:p>
           <a:p>
             <a:pPr lvl="1"/>
             <a:r>
-              <a:rPr lang="de-DE" smtClean="0"/>
+              <a:rPr lang="de-DE"/>
               <a:t>Zweite Ebene</a:t>
             </a:r>
           </a:p>
           <a:p>
             <a:pPr lvl="2"/>
             <a:r>
-              <a:rPr lang="de-DE" smtClean="0"/>
+              <a:rPr lang="de-DE"/>
               <a:t>Dritte Ebene</a:t>
             </a:r>
           </a:p>
           <a:p>
             <a:pPr lvl="3"/>
             <a:r>
-              <a:rPr lang="de-DE" smtClean="0"/>
+              <a:rPr lang="de-DE"/>
               <a:t>Vierte Ebene</a:t>
             </a:r>
           </a:p>
           <a:p>
             <a:pPr lvl="4"/>
             <a:r>
-              <a:rPr lang="de-DE" smtClean="0"/>
+              <a:rPr lang="de-DE"/>
               <a:t>Fünfte Ebene</a:t>
             </a:r>
             <a:endParaRPr lang="en-US" dirty="0"/>
@@ -1027,7 +1027,7 @@
             <a:fld id="{B61BEF0D-F0BB-DE4B-95CE-6DB70DBA9567}" type="datetimeFigureOut">
               <a:rPr lang="en-US" smtClean="0"/>
               <a:pPr/>
-              <a:t>9/15/16</a:t>
+              <a:t>9/15/2016</a:t>
             </a:fld>
             <a:endParaRPr lang="en-US" dirty="0"/>
           </a:p>
@@ -1227,7 +1227,7 @@
           </a:lstStyle>
           <a:p>
             <a:r>
-              <a:rPr lang="de-DE" smtClean="0"/>
+              <a:rPr lang="de-DE"/>
               <a:t>Mastertitelformat bearbeiten</a:t>
             </a:r>
             <a:endParaRPr lang="en-US" dirty="0"/>
@@ -1348,7 +1348,7 @@
           <a:p>
             <a:pPr lvl="0"/>
             <a:r>
-              <a:rPr lang="de-DE" smtClean="0"/>
+              <a:rPr lang="de-DE"/>
               <a:t>Mastertextformat bearbeiten</a:t>
             </a:r>
           </a:p>
@@ -1372,7 +1372,7 @@
             <a:fld id="{B61BEF0D-F0BB-DE4B-95CE-6DB70DBA9567}" type="datetimeFigureOut">
               <a:rPr lang="en-US" smtClean="0"/>
               <a:pPr/>
-              <a:t>9/15/16</a:t>
+              <a:t>9/15/2016</a:t>
             </a:fld>
             <a:endParaRPr lang="en-US" dirty="0"/>
           </a:p>
@@ -1515,7 +1515,7 @@
           <a:lstStyle/>
           <a:p>
             <a:r>
-              <a:rPr lang="de-DE" smtClean="0"/>
+              <a:rPr lang="de-DE"/>
               <a:t>Mastertitelformat bearbeiten</a:t>
             </a:r>
             <a:endParaRPr lang="en-US" dirty="0"/>
@@ -1544,35 +1544,35 @@
           <a:p>
             <a:pPr lvl="0"/>
             <a:r>
-              <a:rPr lang="de-DE" smtClean="0"/>
+              <a:rPr lang="de-DE"/>
               <a:t>Mastertextformat bearbeiten</a:t>
             </a:r>
           </a:p>
           <a:p>
             <a:pPr lvl="1"/>
             <a:r>
-              <a:rPr lang="de-DE" smtClean="0"/>
+              <a:rPr lang="de-DE"/>
               <a:t>Zweite Ebene</a:t>
             </a:r>
           </a:p>
           <a:p>
             <a:pPr lvl="2"/>
             <a:r>
-              <a:rPr lang="de-DE" smtClean="0"/>
+              <a:rPr lang="de-DE"/>
               <a:t>Dritte Ebene</a:t>
             </a:r>
           </a:p>
           <a:p>
             <a:pPr lvl="3"/>
             <a:r>
-              <a:rPr lang="de-DE" smtClean="0"/>
+              <a:rPr lang="de-DE"/>
               <a:t>Vierte Ebene</a:t>
             </a:r>
           </a:p>
           <a:p>
             <a:pPr lvl="4"/>
             <a:r>
-              <a:rPr lang="de-DE" smtClean="0"/>
+              <a:rPr lang="de-DE"/>
               <a:t>Fünfte Ebene</a:t>
             </a:r>
             <a:endParaRPr lang="en-US" dirty="0"/>
@@ -1601,35 +1601,35 @@
           <a:p>
             <a:pPr lvl="0"/>
             <a:r>
-              <a:rPr lang="de-DE" smtClean="0"/>
+              <a:rPr lang="de-DE"/>
               <a:t>Mastertextformat bearbeiten</a:t>
             </a:r>
           </a:p>
           <a:p>
             <a:pPr lvl="1"/>
             <a:r>
-              <a:rPr lang="de-DE" smtClean="0"/>
+              <a:rPr lang="de-DE"/>
               <a:t>Zweite Ebene</a:t>
             </a:r>
           </a:p>
           <a:p>
             <a:pPr lvl="2"/>
             <a:r>
-              <a:rPr lang="de-DE" smtClean="0"/>
+              <a:rPr lang="de-DE"/>
               <a:t>Dritte Ebene</a:t>
             </a:r>
           </a:p>
           <a:p>
             <a:pPr lvl="3"/>
             <a:r>
-              <a:rPr lang="de-DE" smtClean="0"/>
+              <a:rPr lang="de-DE"/>
               <a:t>Vierte Ebene</a:t>
             </a:r>
           </a:p>
           <a:p>
             <a:pPr lvl="4"/>
             <a:r>
-              <a:rPr lang="de-DE" smtClean="0"/>
+              <a:rPr lang="de-DE"/>
               <a:t>Fünfte Ebene</a:t>
             </a:r>
             <a:endParaRPr lang="en-US" dirty="0"/>
@@ -1653,7 +1653,7 @@
           <a:p>
             <a:fld id="{EB712588-04B1-427B-82EE-E8DB90309F08}" type="datetimeFigureOut">
               <a:rPr lang="en-US" smtClean="0"/>
-              <a:t>9/15/16</a:t>
+              <a:t>9/15/2016</a:t>
             </a:fld>
             <a:endParaRPr lang="en-US" dirty="0"/>
           </a:p>
@@ -1752,7 +1752,7 @@
           <a:lstStyle/>
           <a:p>
             <a:r>
-              <a:rPr lang="de-DE" smtClean="0"/>
+              <a:rPr lang="de-DE"/>
               <a:t>Mastertitelformat bearbeiten</a:t>
             </a:r>
             <a:endParaRPr lang="en-US" dirty="0"/>
@@ -1824,7 +1824,7 @@
           <a:p>
             <a:pPr lvl="0"/>
             <a:r>
-              <a:rPr lang="de-DE" smtClean="0"/>
+              <a:rPr lang="de-DE"/>
               <a:t>Mastertextformat bearbeiten</a:t>
             </a:r>
           </a:p>
@@ -1852,35 +1852,35 @@
           <a:p>
             <a:pPr lvl="0"/>
             <a:r>
-              <a:rPr lang="de-DE" smtClean="0"/>
+              <a:rPr lang="de-DE"/>
               <a:t>Mastertextformat bearbeiten</a:t>
             </a:r>
           </a:p>
           <a:p>
             <a:pPr lvl="1"/>
             <a:r>
-              <a:rPr lang="de-DE" smtClean="0"/>
+              <a:rPr lang="de-DE"/>
               <a:t>Zweite Ebene</a:t>
             </a:r>
           </a:p>
           <a:p>
             <a:pPr lvl="2"/>
             <a:r>
-              <a:rPr lang="de-DE" smtClean="0"/>
+              <a:rPr lang="de-DE"/>
               <a:t>Dritte Ebene</a:t>
             </a:r>
           </a:p>
           <a:p>
             <a:pPr lvl="3"/>
             <a:r>
-              <a:rPr lang="de-DE" smtClean="0"/>
+              <a:rPr lang="de-DE"/>
               <a:t>Vierte Ebene</a:t>
             </a:r>
           </a:p>
           <a:p>
             <a:pPr lvl="4"/>
             <a:r>
-              <a:rPr lang="de-DE" smtClean="0"/>
+              <a:rPr lang="de-DE"/>
               <a:t>Fünfte Ebene</a:t>
             </a:r>
             <a:endParaRPr lang="en-US" dirty="0"/>
@@ -1952,7 +1952,7 @@
           <a:p>
             <a:pPr lvl="0"/>
             <a:r>
-              <a:rPr lang="de-DE" smtClean="0"/>
+              <a:rPr lang="de-DE"/>
               <a:t>Mastertextformat bearbeiten</a:t>
             </a:r>
           </a:p>
@@ -1980,35 +1980,35 @@
           <a:p>
             <a:pPr lvl="0"/>
             <a:r>
-              <a:rPr lang="de-DE" smtClean="0"/>
+              <a:rPr lang="de-DE"/>
               <a:t>Mastertextformat bearbeiten</a:t>
             </a:r>
           </a:p>
           <a:p>
             <a:pPr lvl="1"/>
             <a:r>
-              <a:rPr lang="de-DE" smtClean="0"/>
+              <a:rPr lang="de-DE"/>
               <a:t>Zweite Ebene</a:t>
             </a:r>
           </a:p>
           <a:p>
             <a:pPr lvl="2"/>
             <a:r>
-              <a:rPr lang="de-DE" smtClean="0"/>
+              <a:rPr lang="de-DE"/>
               <a:t>Dritte Ebene</a:t>
             </a:r>
           </a:p>
           <a:p>
             <a:pPr lvl="3"/>
             <a:r>
-              <a:rPr lang="de-DE" smtClean="0"/>
+              <a:rPr lang="de-DE"/>
               <a:t>Vierte Ebene</a:t>
             </a:r>
           </a:p>
           <a:p>
             <a:pPr lvl="4"/>
             <a:r>
-              <a:rPr lang="de-DE" smtClean="0"/>
+              <a:rPr lang="de-DE"/>
               <a:t>Fünfte Ebene</a:t>
             </a:r>
             <a:endParaRPr lang="en-US" dirty="0"/>
@@ -2033,7 +2033,7 @@
             <a:fld id="{B61BEF0D-F0BB-DE4B-95CE-6DB70DBA9567}" type="datetimeFigureOut">
               <a:rPr lang="en-US" smtClean="0"/>
               <a:pPr/>
-              <a:t>9/15/16</a:t>
+              <a:t>9/15/2016</a:t>
             </a:fld>
             <a:endParaRPr lang="en-US" dirty="0"/>
           </a:p>
@@ -2128,7 +2128,7 @@
           <a:lstStyle/>
           <a:p>
             <a:r>
-              <a:rPr lang="de-DE" smtClean="0"/>
+              <a:rPr lang="de-DE"/>
               <a:t>Mastertitelformat bearbeiten</a:t>
             </a:r>
             <a:endParaRPr lang="en-US" dirty="0"/>
@@ -2153,7 +2153,7 @@
             <a:fld id="{B61BEF0D-F0BB-DE4B-95CE-6DB70DBA9567}" type="datetimeFigureOut">
               <a:rPr lang="en-US" smtClean="0"/>
               <a:pPr/>
-              <a:t>9/15/16</a:t>
+              <a:t>9/15/2016</a:t>
             </a:fld>
             <a:endParaRPr lang="en-US" dirty="0"/>
           </a:p>
@@ -2326,7 +2326,7 @@
             <a:fld id="{B61BEF0D-F0BB-DE4B-95CE-6DB70DBA9567}" type="datetimeFigureOut">
               <a:rPr lang="en-US" smtClean="0"/>
               <a:pPr/>
-              <a:t>9/15/16</a:t>
+              <a:t>9/15/2016</a:t>
             </a:fld>
             <a:endParaRPr lang="en-US" dirty="0"/>
           </a:p>
@@ -2520,7 +2520,7 @@
           </a:lstStyle>
           <a:p>
             <a:r>
-              <a:rPr lang="de-DE" smtClean="0"/>
+              <a:rPr lang="de-DE"/>
               <a:t>Mastertitelformat bearbeiten</a:t>
             </a:r>
             <a:endParaRPr lang="en-US" dirty="0"/>
@@ -2549,35 +2549,35 @@
           <a:p>
             <a:pPr lvl="0"/>
             <a:r>
-              <a:rPr lang="de-DE" smtClean="0"/>
+              <a:rPr lang="de-DE"/>
               <a:t>Mastertextformat bearbeiten</a:t>
             </a:r>
           </a:p>
           <a:p>
             <a:pPr lvl="1"/>
             <a:r>
-              <a:rPr lang="de-DE" smtClean="0"/>
+              <a:rPr lang="de-DE"/>
               <a:t>Zweite Ebene</a:t>
             </a:r>
           </a:p>
           <a:p>
             <a:pPr lvl="2"/>
             <a:r>
-              <a:rPr lang="de-DE" smtClean="0"/>
+              <a:rPr lang="de-DE"/>
               <a:t>Dritte Ebene</a:t>
             </a:r>
           </a:p>
           <a:p>
             <a:pPr lvl="3"/>
             <a:r>
-              <a:rPr lang="de-DE" smtClean="0"/>
+              <a:rPr lang="de-DE"/>
               <a:t>Vierte Ebene</a:t>
             </a:r>
           </a:p>
           <a:p>
             <a:pPr lvl="4"/>
             <a:r>
-              <a:rPr lang="de-DE" smtClean="0"/>
+              <a:rPr lang="de-DE"/>
               <a:t>Fünfte Ebene</a:t>
             </a:r>
             <a:endParaRPr lang="en-US" dirty="0"/>
@@ -2649,7 +2649,7 @@
           <a:p>
             <a:pPr lvl="0"/>
             <a:r>
-              <a:rPr lang="de-DE" smtClean="0"/>
+              <a:rPr lang="de-DE"/>
               <a:t>Mastertextformat bearbeiten</a:t>
             </a:r>
           </a:p>
@@ -2681,7 +2681,7 @@
           <a:p>
             <a:fld id="{42A54C80-263E-416B-A8E0-580EDEADCBDC}" type="datetimeFigureOut">
               <a:rPr lang="en-US" smtClean="0"/>
-              <a:t>9/15/16</a:t>
+              <a:t>9/15/2016</a:t>
             </a:fld>
             <a:endParaRPr lang="en-US" dirty="0"/>
           </a:p>
@@ -2887,7 +2887,7 @@
           </a:lstStyle>
           <a:p>
             <a:r>
-              <a:rPr lang="de-DE" smtClean="0"/>
+              <a:rPr lang="de-DE"/>
               <a:t>Mastertitelformat bearbeiten</a:t>
             </a:r>
             <a:endParaRPr lang="en-US" dirty="0"/>
@@ -2957,7 +2957,7 @@
           </a:lstStyle>
           <a:p>
             <a:r>
-              <a:rPr lang="de-DE" smtClean="0"/>
+              <a:rPr lang="de-DE"/>
               <a:t>Bild auf Platzhalter ziehen oder durch Klicken auf Symbol hinzufügen</a:t>
             </a:r>
             <a:endParaRPr lang="en-US" dirty="0"/>
@@ -3035,7 +3035,7 @@
           <a:p>
             <a:pPr lvl="0"/>
             <a:r>
-              <a:rPr lang="de-DE" smtClean="0"/>
+              <a:rPr lang="de-DE"/>
               <a:t>Mastertextformat bearbeiten</a:t>
             </a:r>
           </a:p>
@@ -3059,7 +3059,7 @@
             <a:fld id="{B61BEF0D-F0BB-DE4B-95CE-6DB70DBA9567}" type="datetimeFigureOut">
               <a:rPr lang="en-US" smtClean="0"/>
               <a:pPr/>
-              <a:t>9/15/16</a:t>
+              <a:t>9/15/2016</a:t>
             </a:fld>
             <a:endParaRPr lang="en-US" dirty="0"/>
           </a:p>
@@ -3245,7 +3245,7 @@
           <a:lstStyle/>
           <a:p>
             <a:r>
-              <a:rPr lang="de-DE" smtClean="0"/>
+              <a:rPr lang="de-DE"/>
               <a:t>Mastertitelformat bearbeiten</a:t>
             </a:r>
             <a:endParaRPr lang="en-US" dirty="0"/>
@@ -3279,35 +3279,35 @@
           <a:p>
             <a:pPr lvl="0"/>
             <a:r>
-              <a:rPr lang="de-DE" smtClean="0"/>
+              <a:rPr lang="de-DE"/>
               <a:t>Mastertextformat bearbeiten</a:t>
             </a:r>
           </a:p>
           <a:p>
             <a:pPr lvl="1"/>
             <a:r>
-              <a:rPr lang="de-DE" smtClean="0"/>
+              <a:rPr lang="de-DE"/>
               <a:t>Zweite Ebene</a:t>
             </a:r>
           </a:p>
           <a:p>
             <a:pPr lvl="2"/>
             <a:r>
-              <a:rPr lang="de-DE" smtClean="0"/>
+              <a:rPr lang="de-DE"/>
               <a:t>Dritte Ebene</a:t>
             </a:r>
           </a:p>
           <a:p>
             <a:pPr lvl="3"/>
             <a:r>
-              <a:rPr lang="de-DE" smtClean="0"/>
+              <a:rPr lang="de-DE"/>
               <a:t>Vierte Ebene</a:t>
             </a:r>
           </a:p>
           <a:p>
             <a:pPr lvl="4"/>
             <a:r>
-              <a:rPr lang="de-DE" smtClean="0"/>
+              <a:rPr lang="de-DE"/>
               <a:t>Fünfte Ebene</a:t>
             </a:r>
             <a:endParaRPr lang="en-US" dirty="0"/>
@@ -3348,7 +3348,7 @@
             <a:fld id="{B61BEF0D-F0BB-DE4B-95CE-6DB70DBA9567}" type="datetimeFigureOut">
               <a:rPr lang="en-US" smtClean="0"/>
               <a:pPr/>
-              <a:t>9/15/16</a:t>
+              <a:t>9/15/2016</a:t>
             </a:fld>
             <a:endParaRPr lang="en-US" dirty="0"/>
           </a:p>
@@ -3894,10 +3894,9 @@
           <a:lstStyle/>
           <a:p>
             <a:r>
-              <a:rPr lang="de-DE" dirty="0" smtClean="0"/>
+              <a:rPr lang="de-DE" dirty="0"/>
               <a:t>Frontend - Kunde</a:t>
             </a:r>
-            <a:endParaRPr lang="de-DE" dirty="0"/>
           </a:p>
         </p:txBody>
       </p:sp>
@@ -3922,10 +3921,9 @@
               <a:buNone/>
             </a:pPr>
             <a:r>
-              <a:rPr lang="de-DE" b="1" dirty="0" smtClean="0"/>
+              <a:rPr lang="de-DE" b="1" dirty="0"/>
               <a:t>Bearbeiten</a:t>
             </a:r>
-            <a:endParaRPr lang="de-DE" b="1" dirty="0" smtClean="0"/>
           </a:p>
           <a:p>
             <a:pPr>
@@ -3933,7 +3931,7 @@
               <a:buChar char="•"/>
             </a:pPr>
             <a:r>
-              <a:rPr lang="de-DE" dirty="0" smtClean="0"/>
+              <a:rPr lang="de-DE" dirty="0"/>
               <a:t> Daten in Formular geladen</a:t>
             </a:r>
           </a:p>
@@ -3944,11 +3942,7 @@
             </a:pPr>
             <a:r>
               <a:rPr lang="de-DE" dirty="0"/>
-              <a:t> </a:t>
-            </a:r>
-            <a:r>
-              <a:rPr lang="de-DE" dirty="0" smtClean="0"/>
-              <a:t>Löschen Button</a:t>
+              <a:t> Löschen Button</a:t>
             </a:r>
           </a:p>
           <a:p>
@@ -3961,11 +3955,11 @@
               <a:t> </a:t>
             </a:r>
             <a:r>
-              <a:rPr lang="de-DE" dirty="0" err="1" smtClean="0"/>
+              <a:rPr lang="de-DE" dirty="0" err="1"/>
               <a:t>upsert</a:t>
             </a:r>
             <a:r>
-              <a:rPr lang="de-DE" dirty="0" smtClean="0"/>
+              <a:rPr lang="de-DE" dirty="0"/>
               <a:t> Methode </a:t>
             </a:r>
           </a:p>
@@ -4070,21 +4064,6 @@
   <p:clrMapOvr>
     <a:masterClrMapping/>
   </p:clrMapOvr>
-  <mc:AlternateContent xmlns:mc="http://schemas.openxmlformats.org/markup-compatibility/2006">
-    <mc:Choice xmlns:p14="http://schemas.microsoft.com/office/powerpoint/2010/main" Requires="p14">
-      <p:transition p14:dur="0"/>
-    </mc:Choice>
-    <mc:Fallback>
-      <p:transition/>
-    </mc:Fallback>
-  </mc:AlternateContent>
-  <p:timing>
-    <p:tnLst>
-      <p:par>
-        <p:cTn id="1" dur="indefinite" restart="never" nodeType="tmRoot"/>
-      </p:par>
-    </p:tnLst>
-  </p:timing>
 </p:sld>
 </file>
 
@@ -4121,10 +4100,9 @@
           <a:lstStyle/>
           <a:p>
             <a:r>
-              <a:rPr lang="de-DE" dirty="0" smtClean="0"/>
+              <a:rPr lang="de-DE" dirty="0"/>
               <a:t>Umsetzung - Funktionen</a:t>
             </a:r>
-            <a:endParaRPr lang="de-DE" dirty="0"/>
           </a:p>
         </p:txBody>
       </p:sp>
@@ -4149,7 +4127,7 @@
               <a:buNone/>
             </a:pPr>
             <a:r>
-              <a:rPr lang="de-DE" b="1" dirty="0" smtClean="0"/>
+              <a:rPr lang="de-DE" b="1" dirty="0"/>
               <a:t>Login</a:t>
             </a:r>
           </a:p>
@@ -4159,7 +4137,7 @@
               <a:buChar char="•"/>
             </a:pPr>
             <a:r>
-              <a:rPr lang="de-DE" dirty="0" smtClean="0"/>
+              <a:rPr lang="de-DE" dirty="0"/>
               <a:t> Anmeldung mit Authentifizierung</a:t>
             </a:r>
           </a:p>
@@ -4168,10 +4146,9 @@
               <a:buNone/>
             </a:pPr>
             <a:r>
-              <a:rPr lang="de-DE" b="1" dirty="0" smtClean="0"/>
+              <a:rPr lang="de-DE" b="1" dirty="0"/>
               <a:t>Kunde</a:t>
             </a:r>
-            <a:endParaRPr lang="de-DE" b="1" dirty="0"/>
           </a:p>
           <a:p>
             <a:pPr>
@@ -4179,7 +4156,7 @@
               <a:buChar char="•"/>
             </a:pPr>
             <a:r>
-              <a:rPr lang="de-DE" dirty="0" smtClean="0"/>
+              <a:rPr lang="de-DE" dirty="0"/>
               <a:t> Hinzufügen, Bearbeiten und Löschen</a:t>
             </a:r>
           </a:p>
@@ -4188,10 +4165,9 @@
               <a:buNone/>
             </a:pPr>
             <a:r>
-              <a:rPr lang="de-DE" b="1" dirty="0" smtClean="0"/>
+              <a:rPr lang="de-DE" b="1" dirty="0"/>
               <a:t>Objekt</a:t>
             </a:r>
-            <a:endParaRPr lang="de-DE" b="1" dirty="0"/>
           </a:p>
           <a:p>
             <a:pPr>
@@ -4199,12 +4175,8 @@
               <a:buChar char="•"/>
             </a:pPr>
             <a:r>
-              <a:rPr lang="de-DE" dirty="0" smtClean="0"/>
-              <a:t> Hinzufügen</a:t>
-            </a:r>
-            <a:r>
               <a:rPr lang="de-DE" dirty="0"/>
-              <a:t>, Bearbeiten und Löschen</a:t>
+              <a:t> Hinzufügen, Bearbeiten und Löschen</a:t>
             </a:r>
           </a:p>
           <a:p>
@@ -4212,10 +4184,9 @@
               <a:buNone/>
             </a:pPr>
             <a:r>
-              <a:rPr lang="de-DE" b="1" dirty="0" smtClean="0"/>
+              <a:rPr lang="de-DE" b="1" dirty="0"/>
               <a:t>Buchung</a:t>
             </a:r>
-            <a:endParaRPr lang="de-DE" b="1" dirty="0"/>
           </a:p>
           <a:p>
             <a:pPr>
@@ -4223,19 +4194,15 @@
               <a:buChar char="•"/>
             </a:pPr>
             <a:r>
-              <a:rPr lang="de-DE" dirty="0" smtClean="0"/>
-              <a:t> Hinzufügen</a:t>
-            </a:r>
-            <a:r>
               <a:rPr lang="de-DE" dirty="0"/>
-              <a:t>, Bearbeiten und Löschen</a:t>
+              <a:t> Hinzufügen, Bearbeiten und Löschen</a:t>
             </a:r>
           </a:p>
           <a:p>
             <a:pPr marL="0" indent="0">
               <a:buNone/>
             </a:pPr>
-            <a:endParaRPr lang="de-DE" dirty="0" smtClean="0"/>
+            <a:endParaRPr lang="de-DE" dirty="0"/>
           </a:p>
         </p:txBody>
       </p:sp>
@@ -4710,10 +4677,9 @@
           <a:lstStyle/>
           <a:p>
             <a:r>
-              <a:rPr lang="de-DE" dirty="0" smtClean="0"/>
+              <a:rPr lang="de-DE" dirty="0"/>
               <a:t>Umsetzung - Funktionen</a:t>
             </a:r>
-            <a:endParaRPr lang="de-DE" dirty="0"/>
           </a:p>
         </p:txBody>
       </p:sp>
@@ -4738,7 +4704,7 @@
               <a:buNone/>
             </a:pPr>
             <a:r>
-              <a:rPr lang="de-DE" b="1" dirty="0" smtClean="0"/>
+              <a:rPr lang="de-DE" b="1" dirty="0"/>
               <a:t>Darstellung</a:t>
             </a:r>
           </a:p>
@@ -4748,7 +4714,7 @@
               <a:buChar char="•"/>
             </a:pPr>
             <a:r>
-              <a:rPr lang="de-DE" dirty="0" smtClean="0"/>
+              <a:rPr lang="de-DE" dirty="0"/>
               <a:t> Formulare für die Eingabe von Daten</a:t>
             </a:r>
           </a:p>
@@ -4759,19 +4725,14 @@
             </a:pPr>
             <a:r>
               <a:rPr lang="de-DE" dirty="0"/>
-              <a:t> </a:t>
-            </a:r>
-            <a:r>
-              <a:rPr lang="de-DE" dirty="0" smtClean="0"/>
-              <a:t>Kalender für die Anzeige von Daten</a:t>
-            </a:r>
-            <a:endParaRPr lang="de-DE" dirty="0"/>
+              <a:t> Kalender für die Anzeige von Daten</a:t>
+            </a:r>
           </a:p>
           <a:p>
             <a:pPr marL="0" indent="0">
               <a:buNone/>
             </a:pPr>
-            <a:endParaRPr lang="de-DE" dirty="0" smtClean="0"/>
+            <a:endParaRPr lang="de-DE" dirty="0"/>
           </a:p>
         </p:txBody>
       </p:sp>
@@ -5256,10 +5217,9 @@
               <a:buNone/>
             </a:pPr>
             <a:r>
-              <a:rPr lang="de-DE" sz="7200" b="1" dirty="0" smtClean="0"/>
+              <a:rPr lang="de-DE" sz="7200" b="1" dirty="0"/>
               <a:t>Entwicklung</a:t>
             </a:r>
-            <a:endParaRPr lang="de-DE" sz="7200" b="1" dirty="0"/>
           </a:p>
         </p:txBody>
       </p:sp>
@@ -5309,10 +5269,9 @@
           <a:lstStyle/>
           <a:p>
             <a:r>
-              <a:rPr lang="de-DE" dirty="0" smtClean="0"/>
+              <a:rPr lang="de-DE" dirty="0"/>
               <a:t>Projektstruktur</a:t>
             </a:r>
-            <a:endParaRPr lang="de-DE" dirty="0"/>
           </a:p>
         </p:txBody>
       </p:sp>
@@ -5337,7 +5296,7 @@
               <a:buNone/>
             </a:pPr>
             <a:r>
-              <a:rPr lang="de-DE" b="1" dirty="0" smtClean="0"/>
+              <a:rPr lang="de-DE" b="1" dirty="0"/>
               <a:t>Projekt anlegen</a:t>
             </a:r>
           </a:p>
@@ -5347,11 +5306,11 @@
               <a:buChar char="•"/>
             </a:pPr>
             <a:r>
-              <a:rPr lang="de-DE" dirty="0" smtClean="0"/>
+              <a:rPr lang="de-DE" dirty="0"/>
               <a:t> </a:t>
             </a:r>
             <a:r>
-              <a:rPr lang="de-DE" dirty="0" err="1" smtClean="0"/>
+              <a:rPr lang="de-DE" dirty="0" err="1"/>
               <a:t>Yeoman</a:t>
             </a:r>
             <a:endParaRPr lang="de-DE" dirty="0"/>
@@ -5360,10 +5319,51 @@
             <a:pPr marL="0" indent="0">
               <a:buNone/>
             </a:pPr>
-            <a:endParaRPr lang="de-DE" dirty="0" smtClean="0"/>
+            <a:endParaRPr lang="de-DE" dirty="0"/>
           </a:p>
         </p:txBody>
       </p:sp>
+      <p:pic>
+        <p:nvPicPr>
+          <p:cNvPr id="1026" name="Picture 2" descr="http://yeoman.io/static/illustration-home-inverted.91b07808be.png"/>
+          <p:cNvPicPr>
+            <a:picLocks noChangeAspect="1" noChangeArrowheads="1"/>
+          </p:cNvPicPr>
+          <p:nvPr/>
+        </p:nvPicPr>
+        <p:blipFill>
+          <a:blip r:embed="rId2">
+            <a:extLst>
+              <a:ext uri="{28A0092B-C50C-407E-A947-70E740481C1C}">
+                <a14:useLocalDpi xmlns:a14="http://schemas.microsoft.com/office/drawing/2010/main" val="0"/>
+              </a:ext>
+            </a:extLst>
+          </a:blip>
+          <a:srcRect/>
+          <a:stretch>
+            <a:fillRect/>
+          </a:stretch>
+        </p:blipFill>
+        <p:spPr bwMode="auto">
+          <a:xfrm>
+            <a:off x="3293614" y="3136869"/>
+            <a:ext cx="5933723" cy="3322886"/>
+          </a:xfrm>
+          <a:prstGeom prst="rect">
+            <a:avLst/>
+          </a:prstGeom>
+          <a:noFill/>
+          <a:extLst>
+            <a:ext uri="{909E8E84-426E-40DD-AFC4-6F175D3DCCD1}">
+              <a14:hiddenFill xmlns:a14="http://schemas.microsoft.com/office/drawing/2010/main">
+                <a:solidFill>
+                  <a:srgbClr val="FFFFFF"/>
+                </a:solidFill>
+              </a14:hiddenFill>
+            </a:ext>
+          </a:extLst>
+        </p:spPr>
+      </p:pic>
     </p:spTree>
     <p:extLst>
       <p:ext uri="{BB962C8B-B14F-4D97-AF65-F5344CB8AC3E}">
@@ -5374,13 +5374,6 @@
   <p:clrMapOvr>
     <a:masterClrMapping/>
   </p:clrMapOvr>
-  <p:timing>
-    <p:tnLst>
-      <p:par>
-        <p:cTn id="1" dur="indefinite" restart="never" nodeType="tmRoot"/>
-      </p:par>
-    </p:tnLst>
-  </p:timing>
 </p:sld>
 </file>
 
@@ -5672,10 +5665,9 @@
               <a:buNone/>
             </a:pPr>
             <a:r>
-              <a:rPr lang="de-DE" sz="7200" b="1" dirty="0" smtClean="0"/>
+              <a:rPr lang="de-DE" sz="7200" b="1" dirty="0"/>
               <a:t>Frontend</a:t>
             </a:r>
-            <a:endParaRPr lang="de-DE" sz="7200" b="1" dirty="0"/>
           </a:p>
         </p:txBody>
       </p:sp>
@@ -5689,13 +5681,6 @@
   <p:clrMapOvr>
     <a:masterClrMapping/>
   </p:clrMapOvr>
-  <p:timing>
-    <p:tnLst>
-      <p:par>
-        <p:cTn id="1" dur="indefinite" restart="never" nodeType="tmRoot"/>
-      </p:par>
-    </p:tnLst>
-  </p:timing>
 </p:sld>
 </file>
 
@@ -5732,10 +5717,9 @@
           <a:lstStyle/>
           <a:p>
             <a:r>
-              <a:rPr lang="de-DE" dirty="0" smtClean="0"/>
+              <a:rPr lang="de-DE" dirty="0"/>
               <a:t>Frontend - Login</a:t>
             </a:r>
-            <a:endParaRPr lang="de-DE" dirty="0"/>
           </a:p>
         </p:txBody>
       </p:sp>
@@ -5760,7 +5744,7 @@
               <a:buNone/>
             </a:pPr>
             <a:r>
-              <a:rPr lang="de-DE" b="1" dirty="0" smtClean="0"/>
+              <a:rPr lang="de-DE" b="1" dirty="0"/>
               <a:t>Eingabe mit Validierung</a:t>
             </a:r>
           </a:p>
@@ -5770,7 +5754,7 @@
               <a:buChar char="•"/>
             </a:pPr>
             <a:r>
-              <a:rPr lang="de-DE" dirty="0" smtClean="0"/>
+              <a:rPr lang="de-DE" dirty="0"/>
               <a:t> E-Mail Adresse</a:t>
             </a:r>
           </a:p>
@@ -5781,19 +5765,14 @@
             </a:pPr>
             <a:r>
               <a:rPr lang="de-DE" dirty="0"/>
-              <a:t> </a:t>
-            </a:r>
-            <a:r>
-              <a:rPr lang="de-DE" dirty="0" smtClean="0"/>
-              <a:t>Passwort</a:t>
-            </a:r>
-            <a:endParaRPr lang="de-DE" dirty="0" smtClean="0"/>
+              <a:t> Passwort</a:t>
+            </a:r>
           </a:p>
           <a:p>
             <a:pPr marL="0" indent="0">
               <a:buNone/>
             </a:pPr>
-            <a:endParaRPr lang="de-DE" dirty="0" smtClean="0"/>
+            <a:endParaRPr lang="de-DE" dirty="0"/>
           </a:p>
           <a:p>
             <a:pPr marL="0" indent="0">
@@ -5814,11 +5793,11 @@
               <a:t> </a:t>
             </a:r>
             <a:r>
-              <a:rPr lang="de-DE" dirty="0" err="1" smtClean="0"/>
+              <a:rPr lang="de-DE" dirty="0" err="1"/>
               <a:t>Auth</a:t>
             </a:r>
             <a:r>
-              <a:rPr lang="de-DE" dirty="0" smtClean="0"/>
+              <a:rPr lang="de-DE" dirty="0"/>
               <a:t>-Service</a:t>
             </a:r>
           </a:p>
@@ -5828,11 +5807,11 @@
               <a:buChar char="•"/>
             </a:pPr>
             <a:r>
-              <a:rPr lang="de-DE" dirty="0" smtClean="0"/>
+              <a:rPr lang="de-DE" dirty="0"/>
               <a:t> </a:t>
             </a:r>
             <a:r>
-              <a:rPr lang="de-DE" dirty="0" err="1" smtClean="0"/>
+              <a:rPr lang="de-DE" dirty="0" err="1"/>
               <a:t>Firebase</a:t>
             </a:r>
             <a:endParaRPr lang="de-DE" dirty="0"/>
@@ -5841,7 +5820,7 @@
             <a:pPr marL="0" indent="0">
               <a:buNone/>
             </a:pPr>
-            <a:endParaRPr lang="de-DE" dirty="0" smtClean="0"/>
+            <a:endParaRPr lang="de-DE" dirty="0"/>
           </a:p>
         </p:txBody>
       </p:sp>
@@ -6321,10 +6300,9 @@
           <a:lstStyle/>
           <a:p>
             <a:r>
-              <a:rPr lang="de-DE" dirty="0" smtClean="0"/>
+              <a:rPr lang="de-DE" dirty="0"/>
               <a:t>Frontend - Login</a:t>
             </a:r>
-            <a:endParaRPr lang="de-DE" dirty="0"/>
           </a:p>
         </p:txBody>
       </p:sp>
@@ -6349,7 +6327,7 @@
               <a:buNone/>
             </a:pPr>
             <a:r>
-              <a:rPr lang="de-DE" b="1" dirty="0" smtClean="0"/>
+              <a:rPr lang="de-DE" b="1" dirty="0"/>
               <a:t>Eingabe mit Validierung</a:t>
             </a:r>
           </a:p>
@@ -6359,7 +6337,7 @@
               <a:buChar char="•"/>
             </a:pPr>
             <a:r>
-              <a:rPr lang="de-DE" dirty="0" smtClean="0"/>
+              <a:rPr lang="de-DE" dirty="0"/>
               <a:t> E-Mail Adresse</a:t>
             </a:r>
           </a:p>
@@ -6370,19 +6348,14 @@
             </a:pPr>
             <a:r>
               <a:rPr lang="de-DE" dirty="0"/>
-              <a:t> </a:t>
-            </a:r>
-            <a:r>
-              <a:rPr lang="de-DE" dirty="0" smtClean="0"/>
-              <a:t>Password</a:t>
-            </a:r>
-            <a:endParaRPr lang="de-DE" dirty="0" smtClean="0"/>
+              <a:t> Password</a:t>
+            </a:r>
           </a:p>
           <a:p>
             <a:pPr marL="0" indent="0">
               <a:buNone/>
             </a:pPr>
-            <a:endParaRPr lang="de-DE" dirty="0" smtClean="0"/>
+            <a:endParaRPr lang="de-DE" dirty="0"/>
           </a:p>
           <a:p>
             <a:pPr marL="0" indent="0">
@@ -6403,11 +6376,11 @@
               <a:t> </a:t>
             </a:r>
             <a:r>
-              <a:rPr lang="de-DE" dirty="0" err="1" smtClean="0"/>
+              <a:rPr lang="de-DE" dirty="0" err="1"/>
               <a:t>Auth</a:t>
             </a:r>
             <a:r>
-              <a:rPr lang="de-DE" dirty="0" smtClean="0"/>
+              <a:rPr lang="de-DE" dirty="0"/>
               <a:t>-Service</a:t>
             </a:r>
           </a:p>
@@ -6417,11 +6390,11 @@
               <a:buChar char="•"/>
             </a:pPr>
             <a:r>
-              <a:rPr lang="de-DE" dirty="0" smtClean="0"/>
+              <a:rPr lang="de-DE" dirty="0"/>
               <a:t> </a:t>
             </a:r>
             <a:r>
-              <a:rPr lang="de-DE" dirty="0" err="1" smtClean="0"/>
+              <a:rPr lang="de-DE" dirty="0" err="1"/>
               <a:t>Firebase</a:t>
             </a:r>
             <a:endParaRPr lang="de-DE" dirty="0"/>
@@ -6430,7 +6403,7 @@
             <a:pPr marL="0" indent="0">
               <a:buNone/>
             </a:pPr>
-            <a:endParaRPr lang="de-DE" dirty="0" smtClean="0"/>
+            <a:endParaRPr lang="de-DE" dirty="0"/>
           </a:p>
         </p:txBody>
       </p:sp>
@@ -6550,13 +6523,13 @@
   <p:clrMapOvr>
     <a:masterClrMapping/>
   </p:clrMapOvr>
-  <mc:AlternateContent xmlns:mc="http://schemas.openxmlformats.org/markup-compatibility/2006">
-    <mc:Choice xmlns:p14="http://schemas.microsoft.com/office/powerpoint/2010/main" Requires="p14">
+  <mc:AlternateContent xmlns:mc="http://schemas.openxmlformats.org/markup-compatibility/2006" xmlns:p14="http://schemas.microsoft.com/office/powerpoint/2010/main">
+    <mc:Choice Requires="p14">
       <p:transition spd="med" p14:dur="700">
         <p:fade/>
       </p:transition>
     </mc:Choice>
-    <mc:Fallback>
+    <mc:Fallback xmlns="">
       <p:transition spd="med">
         <p:fade/>
       </p:transition>
@@ -6676,10 +6649,9 @@
           <a:lstStyle/>
           <a:p>
             <a:r>
-              <a:rPr lang="de-DE" dirty="0" smtClean="0"/>
+              <a:rPr lang="de-DE" dirty="0"/>
               <a:t>Frontend – Hauptseite</a:t>
             </a:r>
-            <a:endParaRPr lang="de-DE" dirty="0"/>
           </a:p>
         </p:txBody>
       </p:sp>
@@ -6833,10 +6805,9 @@
           <a:lstStyle/>
           <a:p>
             <a:r>
-              <a:rPr lang="de-DE" dirty="0" smtClean="0"/>
+              <a:rPr lang="de-DE" dirty="0"/>
               <a:t>Frontend – Header</a:t>
             </a:r>
-            <a:endParaRPr lang="de-DE" dirty="0"/>
           </a:p>
         </p:txBody>
       </p:sp>
@@ -7113,7 +7084,7 @@
               <a:buNone/>
             </a:pPr>
             <a:r>
-              <a:rPr lang="de-DE" b="1" dirty="0" smtClean="0"/>
+              <a:rPr lang="de-DE" b="1" dirty="0"/>
               <a:t>Auswahl</a:t>
             </a:r>
           </a:p>
@@ -7123,7 +7094,7 @@
               <a:buChar char="•"/>
             </a:pPr>
             <a:r>
-              <a:rPr lang="de-DE" dirty="0" smtClean="0"/>
+              <a:rPr lang="de-DE" dirty="0"/>
               <a:t> Kunde</a:t>
             </a:r>
           </a:p>
@@ -7134,11 +7105,7 @@
             </a:pPr>
             <a:r>
               <a:rPr lang="de-DE" dirty="0"/>
-              <a:t> </a:t>
-            </a:r>
-            <a:r>
-              <a:rPr lang="de-DE" dirty="0" smtClean="0"/>
-              <a:t>Objekt</a:t>
+              <a:t> Objekt</a:t>
             </a:r>
           </a:p>
           <a:p>
@@ -7148,11 +7115,7 @@
             </a:pPr>
             <a:r>
               <a:rPr lang="de-DE" dirty="0"/>
-              <a:t> </a:t>
-            </a:r>
-            <a:r>
-              <a:rPr lang="de-DE" dirty="0" smtClean="0"/>
-              <a:t>Buchung</a:t>
+              <a:t> Buchung</a:t>
             </a:r>
           </a:p>
           <a:p>
@@ -7162,13 +7125,8 @@
             </a:pPr>
             <a:r>
               <a:rPr lang="de-DE" dirty="0"/>
-              <a:t> </a:t>
-            </a:r>
-            <a:r>
-              <a:rPr lang="de-DE" dirty="0" smtClean="0"/>
-              <a:t>Abmelden</a:t>
-            </a:r>
-            <a:endParaRPr lang="de-DE" dirty="0" smtClean="0"/>
+              <a:t> Abmelden</a:t>
+            </a:r>
           </a:p>
         </p:txBody>
       </p:sp>
@@ -7700,10 +7658,9 @@
           <a:lstStyle/>
           <a:p>
             <a:r>
-              <a:rPr lang="de-DE" dirty="0" smtClean="0"/>
+              <a:rPr lang="de-DE" dirty="0"/>
               <a:t>Frontend – Kalender</a:t>
             </a:r>
-            <a:endParaRPr lang="de-DE" dirty="0"/>
           </a:p>
         </p:txBody>
       </p:sp>
@@ -7980,7 +7937,7 @@
               <a:buNone/>
             </a:pPr>
             <a:r>
-              <a:rPr lang="de-DE" b="1" dirty="0" smtClean="0"/>
+              <a:rPr lang="de-DE" b="1" dirty="0"/>
               <a:t>Objekte</a:t>
             </a:r>
           </a:p>
@@ -7990,7 +7947,7 @@
               <a:buChar char="•"/>
             </a:pPr>
             <a:r>
-              <a:rPr lang="de-DE" dirty="0" smtClean="0"/>
+              <a:rPr lang="de-DE" dirty="0"/>
               <a:t> Auflistung aller Objekte</a:t>
             </a:r>
           </a:p>
@@ -8006,10 +7963,9 @@
               <a:buNone/>
             </a:pPr>
             <a:r>
-              <a:rPr lang="de-DE" b="1" dirty="0" smtClean="0"/>
+              <a:rPr lang="de-DE" b="1" dirty="0"/>
               <a:t>Buchungen</a:t>
             </a:r>
-            <a:endParaRPr lang="de-DE" b="1" dirty="0"/>
           </a:p>
           <a:p>
             <a:pPr>
@@ -8018,11 +7974,7 @@
             </a:pPr>
             <a:r>
               <a:rPr lang="de-DE" dirty="0"/>
-              <a:t> </a:t>
-            </a:r>
-            <a:r>
-              <a:rPr lang="de-DE" dirty="0" smtClean="0"/>
-              <a:t>Darstellung als Blöcke</a:t>
+              <a:t> Darstellung als Blöcke</a:t>
             </a:r>
           </a:p>
           <a:p>
@@ -8032,19 +7984,14 @@
             </a:pPr>
             <a:r>
               <a:rPr lang="de-DE" dirty="0"/>
-              <a:t> </a:t>
-            </a:r>
-            <a:r>
-              <a:rPr lang="de-DE" dirty="0" smtClean="0"/>
-              <a:t>Monatsansicht</a:t>
-            </a:r>
-            <a:endParaRPr lang="de-DE" dirty="0"/>
+              <a:t> Monatsansicht</a:t>
+            </a:r>
           </a:p>
           <a:p>
             <a:pPr marL="0" indent="0">
               <a:buNone/>
             </a:pPr>
-            <a:endParaRPr lang="de-DE" dirty="0" smtClean="0"/>
+            <a:endParaRPr lang="de-DE" dirty="0"/>
           </a:p>
         </p:txBody>
       </p:sp>
@@ -8474,10 +8421,9 @@
           <a:lstStyle/>
           <a:p>
             <a:r>
-              <a:rPr lang="de-DE" dirty="0" smtClean="0"/>
+              <a:rPr lang="de-DE" dirty="0"/>
               <a:t>Verwaltungstool</a:t>
             </a:r>
-            <a:endParaRPr lang="de-DE" dirty="0"/>
           </a:p>
         </p:txBody>
       </p:sp>
@@ -8497,10 +8443,9 @@
           <a:lstStyle/>
           <a:p>
             <a:r>
-              <a:rPr lang="de-DE" dirty="0" smtClean="0"/>
+              <a:rPr lang="de-DE" dirty="0"/>
               <a:t>Stefan Baumann und Florian Gümbel</a:t>
             </a:r>
-            <a:endParaRPr lang="de-DE" dirty="0"/>
           </a:p>
         </p:txBody>
       </p:sp>
@@ -8514,25 +8459,18 @@
   <p:clrMapOvr>
     <a:masterClrMapping/>
   </p:clrMapOvr>
-  <mc:AlternateContent xmlns:mc="http://schemas.openxmlformats.org/markup-compatibility/2006">
-    <mc:Choice xmlns:p14="http://schemas.microsoft.com/office/powerpoint/2010/main" Requires="p14">
+  <mc:AlternateContent xmlns:mc="http://schemas.openxmlformats.org/markup-compatibility/2006" xmlns:p14="http://schemas.microsoft.com/office/powerpoint/2010/main">
+    <mc:Choice Requires="p14">
       <p:transition spd="med" p14:dur="700">
         <p:fade/>
       </p:transition>
     </mc:Choice>
-    <mc:Fallback>
+    <mc:Fallback xmlns="">
       <p:transition spd="med">
         <p:fade/>
       </p:transition>
     </mc:Fallback>
   </mc:AlternateContent>
-  <p:timing>
-    <p:tnLst>
-      <p:par>
-        <p:cTn id="1" dur="indefinite" restart="never" nodeType="tmRoot"/>
-      </p:par>
-    </p:tnLst>
-  </p:timing>
 </p:sld>
 </file>
 
@@ -8569,10 +8507,9 @@
           <a:lstStyle/>
           <a:p>
             <a:r>
-              <a:rPr lang="de-DE" dirty="0" smtClean="0"/>
+              <a:rPr lang="de-DE" dirty="0"/>
               <a:t>Frontend - Kunde</a:t>
             </a:r>
-            <a:endParaRPr lang="de-DE" dirty="0"/>
           </a:p>
         </p:txBody>
       </p:sp>
@@ -8597,14 +8534,14 @@
               <a:buNone/>
             </a:pPr>
             <a:r>
-              <a:rPr lang="de-DE" b="1" dirty="0" smtClean="0"/>
+              <a:rPr lang="de-DE" b="1" dirty="0"/>
               <a:t>Eingabe mit </a:t>
             </a:r>
             <a:r>
-              <a:rPr lang="de-DE" b="1" dirty="0" err="1" smtClean="0"/>
+              <a:rPr lang="de-DE" b="1" dirty="0" err="1"/>
               <a:t>Valisierung</a:t>
             </a:r>
-            <a:endParaRPr lang="de-DE" b="1" dirty="0" smtClean="0"/>
+            <a:endParaRPr lang="de-DE" b="1" dirty="0"/>
           </a:p>
           <a:p>
             <a:pPr>
@@ -8612,7 +8549,7 @@
               <a:buChar char="•"/>
             </a:pPr>
             <a:r>
-              <a:rPr lang="de-DE" dirty="0" smtClean="0"/>
+              <a:rPr lang="de-DE" dirty="0"/>
               <a:t> (Firma)</a:t>
             </a:r>
           </a:p>
@@ -8623,11 +8560,7 @@
             </a:pPr>
             <a:r>
               <a:rPr lang="de-DE" dirty="0"/>
-              <a:t> </a:t>
-            </a:r>
-            <a:r>
-              <a:rPr lang="de-DE" dirty="0" smtClean="0"/>
-              <a:t>Vorname, Nachname</a:t>
+              <a:t> Vorname, Nachname</a:t>
             </a:r>
           </a:p>
           <a:p>
@@ -8637,11 +8570,7 @@
             </a:pPr>
             <a:r>
               <a:rPr lang="de-DE" dirty="0"/>
-              <a:t> </a:t>
-            </a:r>
-            <a:r>
-              <a:rPr lang="de-DE" dirty="0" smtClean="0"/>
-              <a:t>Geburtstag</a:t>
+              <a:t> Geburtstag</a:t>
             </a:r>
           </a:p>
           <a:p>
@@ -8651,11 +8580,7 @@
             </a:pPr>
             <a:r>
               <a:rPr lang="de-DE" dirty="0"/>
-              <a:t> </a:t>
-            </a:r>
-            <a:r>
-              <a:rPr lang="de-DE" dirty="0" smtClean="0"/>
-              <a:t>Straße, Hausnummer</a:t>
+              <a:t> Straße, Hausnummer</a:t>
             </a:r>
           </a:p>
           <a:p>
@@ -8665,11 +8590,7 @@
             </a:pPr>
             <a:r>
               <a:rPr lang="de-DE" dirty="0"/>
-              <a:t> </a:t>
-            </a:r>
-            <a:r>
-              <a:rPr lang="de-DE" dirty="0" smtClean="0"/>
-              <a:t>Postleitzahl, Stadt</a:t>
+              <a:t> Postleitzahl, Stadt</a:t>
             </a:r>
           </a:p>
           <a:p>
@@ -8679,11 +8600,7 @@
             </a:pPr>
             <a:r>
               <a:rPr lang="de-DE" dirty="0"/>
-              <a:t> </a:t>
-            </a:r>
-            <a:r>
-              <a:rPr lang="de-DE" dirty="0" smtClean="0"/>
-              <a:t>Email, Telefonnummer</a:t>
+              <a:t> Email, Telefonnummer</a:t>
             </a:r>
           </a:p>
           <a:p>
@@ -8693,11 +8610,7 @@
             </a:pPr>
             <a:r>
               <a:rPr lang="de-DE" dirty="0"/>
-              <a:t> </a:t>
-            </a:r>
-            <a:r>
-              <a:rPr lang="de-DE" dirty="0" smtClean="0"/>
-              <a:t>(Zusatzinformationen)</a:t>
+              <a:t> (Zusatzinformationen)</a:t>
             </a:r>
           </a:p>
         </p:txBody>
@@ -9276,10 +9189,9 @@
           <a:lstStyle/>
           <a:p>
             <a:r>
-              <a:rPr lang="de-DE" dirty="0" smtClean="0"/>
+              <a:rPr lang="de-DE" dirty="0"/>
               <a:t>Frontend - Kunde</a:t>
             </a:r>
-            <a:endParaRPr lang="de-DE" dirty="0"/>
           </a:p>
         </p:txBody>
       </p:sp>
@@ -9304,14 +9216,14 @@
               <a:buNone/>
             </a:pPr>
             <a:r>
-              <a:rPr lang="de-DE" b="1" dirty="0" smtClean="0"/>
+              <a:rPr lang="de-DE" b="1" dirty="0"/>
               <a:t>Eingabe mit </a:t>
             </a:r>
             <a:r>
-              <a:rPr lang="de-DE" b="1" dirty="0" err="1" smtClean="0"/>
+              <a:rPr lang="de-DE" b="1" dirty="0" err="1"/>
               <a:t>Valisierung</a:t>
             </a:r>
-            <a:endParaRPr lang="de-DE" b="1" dirty="0" smtClean="0"/>
+            <a:endParaRPr lang="de-DE" b="1" dirty="0"/>
           </a:p>
           <a:p>
             <a:pPr>
@@ -9319,7 +9231,7 @@
               <a:buChar char="•"/>
             </a:pPr>
             <a:r>
-              <a:rPr lang="de-DE" dirty="0" smtClean="0"/>
+              <a:rPr lang="de-DE" dirty="0"/>
               <a:t> (Firma)</a:t>
             </a:r>
           </a:p>
@@ -9330,11 +9242,7 @@
             </a:pPr>
             <a:r>
               <a:rPr lang="de-DE" dirty="0"/>
-              <a:t> </a:t>
-            </a:r>
-            <a:r>
-              <a:rPr lang="de-DE" dirty="0" smtClean="0"/>
-              <a:t>Vorname, Nachname</a:t>
+              <a:t> Vorname, Nachname</a:t>
             </a:r>
           </a:p>
           <a:p>
@@ -9344,11 +9252,7 @@
             </a:pPr>
             <a:r>
               <a:rPr lang="de-DE" dirty="0"/>
-              <a:t> </a:t>
-            </a:r>
-            <a:r>
-              <a:rPr lang="de-DE" dirty="0" smtClean="0"/>
-              <a:t>Geburtstag</a:t>
+              <a:t> Geburtstag</a:t>
             </a:r>
           </a:p>
           <a:p>
@@ -9358,11 +9262,7 @@
             </a:pPr>
             <a:r>
               <a:rPr lang="de-DE" dirty="0"/>
-              <a:t> </a:t>
-            </a:r>
-            <a:r>
-              <a:rPr lang="de-DE" dirty="0" smtClean="0"/>
-              <a:t>Straße, Hausnummer</a:t>
+              <a:t> Straße, Hausnummer</a:t>
             </a:r>
           </a:p>
           <a:p>
@@ -9372,11 +9272,7 @@
             </a:pPr>
             <a:r>
               <a:rPr lang="de-DE" dirty="0"/>
-              <a:t> </a:t>
-            </a:r>
-            <a:r>
-              <a:rPr lang="de-DE" dirty="0" smtClean="0"/>
-              <a:t>Postleitzahl, Stadt</a:t>
+              <a:t> Postleitzahl, Stadt</a:t>
             </a:r>
           </a:p>
           <a:p>
@@ -9386,11 +9282,7 @@
             </a:pPr>
             <a:r>
               <a:rPr lang="de-DE" dirty="0"/>
-              <a:t> </a:t>
-            </a:r>
-            <a:r>
-              <a:rPr lang="de-DE" dirty="0" smtClean="0"/>
-              <a:t>Email, Telefonnummer</a:t>
+              <a:t> Email, Telefonnummer</a:t>
             </a:r>
           </a:p>
           <a:p>
@@ -9400,11 +9292,7 @@
             </a:pPr>
             <a:r>
               <a:rPr lang="de-DE" dirty="0"/>
-              <a:t> </a:t>
-            </a:r>
-            <a:r>
-              <a:rPr lang="de-DE" dirty="0" smtClean="0"/>
-              <a:t>(Zusatzinformationen)</a:t>
+              <a:t> (Zusatzinformationen)</a:t>
             </a:r>
           </a:p>
         </p:txBody>
@@ -9518,13 +9406,13 @@
   <p:clrMapOvr>
     <a:masterClrMapping/>
   </p:clrMapOvr>
-  <mc:AlternateContent xmlns:mc="http://schemas.openxmlformats.org/markup-compatibility/2006">
-    <mc:Choice xmlns:p14="http://schemas.microsoft.com/office/powerpoint/2010/main" Requires="p14">
+  <mc:AlternateContent xmlns:mc="http://schemas.openxmlformats.org/markup-compatibility/2006" xmlns:p14="http://schemas.microsoft.com/office/powerpoint/2010/main">
+    <mc:Choice Requires="p14">
       <p:transition spd="med" p14:dur="700">
         <p:fade/>
       </p:transition>
     </mc:Choice>
-    <mc:Fallback>
+    <mc:Fallback xmlns="">
       <p:transition spd="med">
         <p:fade/>
       </p:transition>
@@ -9644,10 +9532,9 @@
           <a:lstStyle/>
           <a:p>
             <a:r>
-              <a:rPr lang="de-DE" dirty="0" smtClean="0"/>
+              <a:rPr lang="de-DE" dirty="0"/>
               <a:t>Frontend - Kunde</a:t>
             </a:r>
-            <a:endParaRPr lang="de-DE" dirty="0"/>
           </a:p>
         </p:txBody>
       </p:sp>
@@ -9672,10 +9559,9 @@
               <a:buNone/>
             </a:pPr>
             <a:r>
-              <a:rPr lang="de-DE" b="1" dirty="0" smtClean="0"/>
+              <a:rPr lang="de-DE" b="1" dirty="0"/>
               <a:t>Suchen</a:t>
             </a:r>
-            <a:endParaRPr lang="de-DE" b="1" dirty="0" smtClean="0"/>
           </a:p>
           <a:p>
             <a:pPr>
@@ -9683,7 +9569,7 @@
               <a:buChar char="•"/>
             </a:pPr>
             <a:r>
-              <a:rPr lang="de-DE" dirty="0" smtClean="0"/>
+              <a:rPr lang="de-DE" dirty="0"/>
               <a:t> Auflistung</a:t>
             </a:r>
           </a:p>
@@ -9694,13 +9580,8 @@
             </a:pPr>
             <a:r>
               <a:rPr lang="de-DE" dirty="0"/>
-              <a:t> </a:t>
-            </a:r>
-            <a:r>
-              <a:rPr lang="de-DE" dirty="0" smtClean="0"/>
-              <a:t>Autovervollständigung</a:t>
-            </a:r>
-            <a:endParaRPr lang="de-DE" dirty="0" smtClean="0"/>
+              <a:t> Autovervollständigung</a:t>
+            </a:r>
           </a:p>
         </p:txBody>
       </p:sp>
@@ -10033,10 +9914,9 @@
           <a:lstStyle/>
           <a:p>
             <a:r>
-              <a:rPr lang="de-DE" dirty="0" smtClean="0"/>
+              <a:rPr lang="de-DE" dirty="0"/>
               <a:t>Frontend - Kunde</a:t>
             </a:r>
-            <a:endParaRPr lang="de-DE" dirty="0"/>
           </a:p>
         </p:txBody>
       </p:sp>
@@ -10061,10 +9941,9 @@
               <a:buNone/>
             </a:pPr>
             <a:r>
-              <a:rPr lang="de-DE" b="1" dirty="0" smtClean="0"/>
+              <a:rPr lang="de-DE" b="1" dirty="0"/>
               <a:t>Suchen</a:t>
             </a:r>
-            <a:endParaRPr lang="de-DE" b="1" dirty="0" smtClean="0"/>
           </a:p>
           <a:p>
             <a:pPr>
@@ -10072,7 +9951,7 @@
               <a:buChar char="•"/>
             </a:pPr>
             <a:r>
-              <a:rPr lang="de-DE" dirty="0" smtClean="0"/>
+              <a:rPr lang="de-DE" dirty="0"/>
               <a:t> Auflistung</a:t>
             </a:r>
           </a:p>
@@ -10083,13 +9962,8 @@
             </a:pPr>
             <a:r>
               <a:rPr lang="de-DE" dirty="0"/>
-              <a:t> </a:t>
-            </a:r>
-            <a:r>
-              <a:rPr lang="de-DE" dirty="0" smtClean="0"/>
-              <a:t>Autovervollständigung</a:t>
-            </a:r>
-            <a:endParaRPr lang="de-DE" dirty="0" smtClean="0"/>
+              <a:t> Autovervollständigung</a:t>
+            </a:r>
           </a:p>
         </p:txBody>
       </p:sp>
@@ -10202,13 +10076,13 @@
   <p:clrMapOvr>
     <a:masterClrMapping/>
   </p:clrMapOvr>
-  <mc:AlternateContent xmlns:mc="http://schemas.openxmlformats.org/markup-compatibility/2006">
-    <mc:Choice xmlns:p14="http://schemas.microsoft.com/office/powerpoint/2010/main" Requires="p14">
+  <mc:AlternateContent xmlns:mc="http://schemas.openxmlformats.org/markup-compatibility/2006" xmlns:p14="http://schemas.microsoft.com/office/powerpoint/2010/main">
+    <mc:Choice Requires="p14">
       <p:transition spd="med" p14:dur="700">
         <p:fade/>
       </p:transition>
     </mc:Choice>
-    <mc:Fallback>
+    <mc:Fallback xmlns="">
       <p:transition spd="med">
         <p:fade/>
       </p:transition>
@@ -10328,10 +10202,9 @@
           <a:lstStyle/>
           <a:p>
             <a:r>
-              <a:rPr lang="de-DE" dirty="0" smtClean="0"/>
+              <a:rPr lang="de-DE" dirty="0"/>
               <a:t>Frontend - Kunde</a:t>
             </a:r>
-            <a:endParaRPr lang="de-DE" dirty="0"/>
           </a:p>
         </p:txBody>
       </p:sp>
@@ -10356,10 +10229,9 @@
               <a:buNone/>
             </a:pPr>
             <a:r>
-              <a:rPr lang="de-DE" b="1" dirty="0" smtClean="0"/>
+              <a:rPr lang="de-DE" b="1" dirty="0"/>
               <a:t>Bearbeiten</a:t>
             </a:r>
-            <a:endParaRPr lang="de-DE" b="1" dirty="0" smtClean="0"/>
           </a:p>
           <a:p>
             <a:pPr>
@@ -10367,7 +10239,7 @@
               <a:buChar char="•"/>
             </a:pPr>
             <a:r>
-              <a:rPr lang="de-DE" dirty="0" smtClean="0"/>
+              <a:rPr lang="de-DE" dirty="0"/>
               <a:t> Daten in Formular geladen</a:t>
             </a:r>
           </a:p>
@@ -10378,11 +10250,7 @@
             </a:pPr>
             <a:r>
               <a:rPr lang="de-DE" dirty="0"/>
-              <a:t> </a:t>
-            </a:r>
-            <a:r>
-              <a:rPr lang="de-DE" dirty="0" smtClean="0"/>
-              <a:t>Löschen Button</a:t>
+              <a:t> Löschen Button</a:t>
             </a:r>
           </a:p>
           <a:p>
@@ -10395,11 +10263,11 @@
               <a:t> </a:t>
             </a:r>
             <a:r>
-              <a:rPr lang="de-DE" dirty="0" err="1" smtClean="0"/>
+              <a:rPr lang="de-DE" dirty="0" err="1"/>
               <a:t>upsert</a:t>
             </a:r>
             <a:r>
-              <a:rPr lang="de-DE" dirty="0" smtClean="0"/>
+              <a:rPr lang="de-DE" dirty="0"/>
               <a:t> Methode </a:t>
             </a:r>
           </a:p>
@@ -10783,10 +10651,9 @@
           <a:lstStyle/>
           <a:p>
             <a:r>
-              <a:rPr lang="de-DE" dirty="0" smtClean="0"/>
+              <a:rPr lang="de-DE" dirty="0"/>
               <a:t>Frontend - Kunde</a:t>
             </a:r>
-            <a:endParaRPr lang="de-DE" dirty="0"/>
           </a:p>
         </p:txBody>
       </p:sp>
@@ -10811,10 +10678,9 @@
               <a:buNone/>
             </a:pPr>
             <a:r>
-              <a:rPr lang="de-DE" b="1" dirty="0" smtClean="0"/>
+              <a:rPr lang="de-DE" b="1" dirty="0"/>
               <a:t>Bearbeiten</a:t>
             </a:r>
-            <a:endParaRPr lang="de-DE" b="1" dirty="0" smtClean="0"/>
           </a:p>
           <a:p>
             <a:pPr>
@@ -10822,7 +10688,7 @@
               <a:buChar char="•"/>
             </a:pPr>
             <a:r>
-              <a:rPr lang="de-DE" dirty="0" smtClean="0"/>
+              <a:rPr lang="de-DE" dirty="0"/>
               <a:t> Daten in Formular geladen</a:t>
             </a:r>
           </a:p>
@@ -10833,11 +10699,7 @@
             </a:pPr>
             <a:r>
               <a:rPr lang="de-DE" dirty="0"/>
-              <a:t> </a:t>
-            </a:r>
-            <a:r>
-              <a:rPr lang="de-DE" dirty="0" smtClean="0"/>
-              <a:t>Löschen Button</a:t>
+              <a:t> Löschen Button</a:t>
             </a:r>
           </a:p>
           <a:p>
@@ -10850,11 +10712,11 @@
               <a:t> </a:t>
             </a:r>
             <a:r>
-              <a:rPr lang="de-DE" dirty="0" err="1" smtClean="0"/>
+              <a:rPr lang="de-DE" dirty="0" err="1"/>
               <a:t>upsert</a:t>
             </a:r>
             <a:r>
-              <a:rPr lang="de-DE" dirty="0" smtClean="0"/>
+              <a:rPr lang="de-DE" dirty="0"/>
               <a:t> Methode </a:t>
             </a:r>
           </a:p>
@@ -10969,13 +10831,13 @@
   <p:clrMapOvr>
     <a:masterClrMapping/>
   </p:clrMapOvr>
-  <mc:AlternateContent xmlns:mc="http://schemas.openxmlformats.org/markup-compatibility/2006">
-    <mc:Choice xmlns:p14="http://schemas.microsoft.com/office/powerpoint/2010/main" Requires="p14">
+  <mc:AlternateContent xmlns:mc="http://schemas.openxmlformats.org/markup-compatibility/2006" xmlns:p14="http://schemas.microsoft.com/office/powerpoint/2010/main">
+    <mc:Choice Requires="p14">
       <p:transition spd="med" p14:dur="700">
         <p:fade/>
       </p:transition>
     </mc:Choice>
-    <mc:Fallback>
+    <mc:Fallback xmlns="">
       <p:transition spd="med">
         <p:fade/>
       </p:transition>
@@ -11095,10 +10957,9 @@
           <a:lstStyle/>
           <a:p>
             <a:r>
-              <a:rPr lang="de-DE" dirty="0" smtClean="0"/>
+              <a:rPr lang="de-DE" dirty="0"/>
               <a:t>Frontend - Objekt</a:t>
             </a:r>
-            <a:endParaRPr lang="de-DE" dirty="0"/>
           </a:p>
         </p:txBody>
       </p:sp>
@@ -11123,10 +10984,9 @@
               <a:buNone/>
             </a:pPr>
             <a:r>
-              <a:rPr lang="de-DE" b="1" dirty="0" smtClean="0"/>
+              <a:rPr lang="de-DE" b="1" dirty="0"/>
               <a:t>Eingabe mit Validierung</a:t>
             </a:r>
-            <a:endParaRPr lang="de-DE" b="1" dirty="0" smtClean="0"/>
           </a:p>
           <a:p>
             <a:pPr>
@@ -11134,7 +10994,7 @@
               <a:buChar char="•"/>
             </a:pPr>
             <a:r>
-              <a:rPr lang="de-DE" dirty="0" smtClean="0"/>
+              <a:rPr lang="de-DE" dirty="0"/>
               <a:t> Name</a:t>
             </a:r>
           </a:p>
@@ -11145,11 +11005,7 @@
             </a:pPr>
             <a:r>
               <a:rPr lang="de-DE" dirty="0"/>
-              <a:t> </a:t>
-            </a:r>
-            <a:r>
-              <a:rPr lang="de-DE" dirty="0" smtClean="0"/>
-              <a:t>Personenanzahl </a:t>
+              <a:t> Personenanzahl </a:t>
             </a:r>
           </a:p>
           <a:p>
@@ -11159,11 +11015,7 @@
             </a:pPr>
             <a:r>
               <a:rPr lang="de-DE" dirty="0"/>
-              <a:t> </a:t>
-            </a:r>
-            <a:r>
-              <a:rPr lang="de-DE" dirty="0" smtClean="0"/>
-              <a:t>minimale Personenanzahl</a:t>
+              <a:t> minimale Personenanzahl</a:t>
             </a:r>
           </a:p>
           <a:p>
@@ -11173,11 +11025,7 @@
             </a:pPr>
             <a:r>
               <a:rPr lang="de-DE" dirty="0"/>
-              <a:t> </a:t>
-            </a:r>
-            <a:r>
-              <a:rPr lang="de-DE" dirty="0" smtClean="0"/>
-              <a:t>maximale Personenanzahl</a:t>
+              <a:t> maximale Personenanzahl</a:t>
             </a:r>
           </a:p>
           <a:p>
@@ -11187,11 +11035,7 @@
             </a:pPr>
             <a:r>
               <a:rPr lang="de-DE" dirty="0"/>
-              <a:t> </a:t>
-            </a:r>
-            <a:r>
-              <a:rPr lang="de-DE" dirty="0" smtClean="0"/>
-              <a:t>Manuell, Pfeile</a:t>
+              <a:t> Manuell, Pfeile</a:t>
             </a:r>
           </a:p>
           <a:p>
@@ -11201,13 +11045,8 @@
             </a:pPr>
             <a:r>
               <a:rPr lang="de-DE" dirty="0"/>
-              <a:t> </a:t>
-            </a:r>
-            <a:r>
-              <a:rPr lang="de-DE" dirty="0" smtClean="0"/>
-              <a:t>Validierung</a:t>
-            </a:r>
-            <a:endParaRPr lang="de-DE" dirty="0" smtClean="0"/>
+              <a:t> Validierung</a:t>
+            </a:r>
           </a:p>
         </p:txBody>
       </p:sp>
@@ -11839,10 +11678,9 @@
           <a:lstStyle/>
           <a:p>
             <a:r>
-              <a:rPr lang="de-DE" dirty="0" smtClean="0"/>
+              <a:rPr lang="de-DE" dirty="0"/>
               <a:t>Frontend - Objekt</a:t>
             </a:r>
-            <a:endParaRPr lang="de-DE" dirty="0"/>
           </a:p>
         </p:txBody>
       </p:sp>
@@ -11867,10 +11705,9 @@
               <a:buNone/>
             </a:pPr>
             <a:r>
-              <a:rPr lang="de-DE" b="1" dirty="0" smtClean="0"/>
+              <a:rPr lang="de-DE" b="1" dirty="0"/>
               <a:t>Eingabe mit Validierung</a:t>
             </a:r>
-            <a:endParaRPr lang="de-DE" b="1" dirty="0" smtClean="0"/>
           </a:p>
           <a:p>
             <a:pPr>
@@ -11878,7 +11715,7 @@
               <a:buChar char="•"/>
             </a:pPr>
             <a:r>
-              <a:rPr lang="de-DE" dirty="0" smtClean="0"/>
+              <a:rPr lang="de-DE" dirty="0"/>
               <a:t> Name</a:t>
             </a:r>
           </a:p>
@@ -11889,11 +11726,7 @@
             </a:pPr>
             <a:r>
               <a:rPr lang="de-DE" dirty="0"/>
-              <a:t> </a:t>
-            </a:r>
-            <a:r>
-              <a:rPr lang="de-DE" dirty="0" smtClean="0"/>
-              <a:t>Personenanzahl </a:t>
+              <a:t> Personenanzahl </a:t>
             </a:r>
           </a:p>
           <a:p>
@@ -11903,11 +11736,7 @@
             </a:pPr>
             <a:r>
               <a:rPr lang="de-DE" dirty="0"/>
-              <a:t> </a:t>
-            </a:r>
-            <a:r>
-              <a:rPr lang="de-DE" dirty="0" smtClean="0"/>
-              <a:t>minimale Personenanzahl</a:t>
+              <a:t> minimale Personenanzahl</a:t>
             </a:r>
           </a:p>
           <a:p>
@@ -11917,11 +11746,7 @@
             </a:pPr>
             <a:r>
               <a:rPr lang="de-DE" dirty="0"/>
-              <a:t> </a:t>
-            </a:r>
-            <a:r>
-              <a:rPr lang="de-DE" dirty="0" smtClean="0"/>
-              <a:t>maximale Personenanzahl</a:t>
+              <a:t> maximale Personenanzahl</a:t>
             </a:r>
           </a:p>
           <a:p>
@@ -11931,11 +11756,7 @@
             </a:pPr>
             <a:r>
               <a:rPr lang="de-DE" dirty="0"/>
-              <a:t> </a:t>
-            </a:r>
-            <a:r>
-              <a:rPr lang="de-DE" dirty="0" smtClean="0"/>
-              <a:t>Manuell, Pfeile</a:t>
+              <a:t> Manuell, Pfeile</a:t>
             </a:r>
           </a:p>
           <a:p>
@@ -11945,13 +11766,8 @@
             </a:pPr>
             <a:r>
               <a:rPr lang="de-DE" dirty="0"/>
-              <a:t> </a:t>
-            </a:r>
-            <a:r>
-              <a:rPr lang="de-DE" dirty="0" smtClean="0"/>
-              <a:t>Validierung</a:t>
-            </a:r>
-            <a:endParaRPr lang="de-DE" dirty="0" smtClean="0"/>
+              <a:t> Validierung</a:t>
+            </a:r>
           </a:p>
         </p:txBody>
       </p:sp>
@@ -12208,10 +12024,9 @@
           <a:lstStyle/>
           <a:p>
             <a:r>
-              <a:rPr lang="de-DE" dirty="0" smtClean="0"/>
+              <a:rPr lang="de-DE" dirty="0"/>
               <a:t>Frontend - Objekt</a:t>
             </a:r>
-            <a:endParaRPr lang="de-DE" dirty="0"/>
           </a:p>
         </p:txBody>
       </p:sp>
@@ -12236,10 +12051,9 @@
               <a:buNone/>
             </a:pPr>
             <a:r>
-              <a:rPr lang="de-DE" b="1" dirty="0" smtClean="0"/>
+              <a:rPr lang="de-DE" b="1" dirty="0"/>
               <a:t>Eingabe mit Validierung</a:t>
             </a:r>
-            <a:endParaRPr lang="de-DE" b="1" dirty="0" smtClean="0"/>
           </a:p>
           <a:p>
             <a:pPr>
@@ -12247,7 +12061,7 @@
               <a:buChar char="•"/>
             </a:pPr>
             <a:r>
-              <a:rPr lang="de-DE" dirty="0" smtClean="0"/>
+              <a:rPr lang="de-DE" dirty="0"/>
               <a:t> Inputfelder mit Typ</a:t>
             </a:r>
           </a:p>
@@ -12262,13 +12076,9 @@
             </a:r>
             <a:r>
               <a:rPr lang="de-DE" dirty="0" err="1"/>
-              <a:t>R</a:t>
-            </a:r>
-            <a:r>
-              <a:rPr lang="de-DE" dirty="0" err="1" smtClean="0"/>
-              <a:t>equired</a:t>
-            </a:r>
-            <a:endParaRPr lang="de-DE" dirty="0" smtClean="0"/>
+              <a:t>Required</a:t>
+            </a:r>
+            <a:endParaRPr lang="de-DE" dirty="0"/>
           </a:p>
           <a:p>
             <a:pPr>
@@ -12277,13 +12087,8 @@
             </a:pPr>
             <a:r>
               <a:rPr lang="de-DE" dirty="0"/>
-              <a:t> </a:t>
-            </a:r>
-            <a:r>
-              <a:rPr lang="de-DE" dirty="0" smtClean="0"/>
-              <a:t>Min, Max</a:t>
-            </a:r>
-            <a:endParaRPr lang="de-DE" dirty="0" smtClean="0"/>
+              <a:t> Min, Max</a:t>
+            </a:r>
           </a:p>
         </p:txBody>
       </p:sp>
@@ -12664,10 +12469,9 @@
           <a:lstStyle/>
           <a:p>
             <a:r>
-              <a:rPr lang="de-DE" dirty="0" smtClean="0"/>
+              <a:rPr lang="de-DE" dirty="0"/>
               <a:t>Frontend - Objekt</a:t>
             </a:r>
-            <a:endParaRPr lang="de-DE" dirty="0"/>
           </a:p>
         </p:txBody>
       </p:sp>
@@ -12692,10 +12496,9 @@
               <a:buNone/>
             </a:pPr>
             <a:r>
-              <a:rPr lang="de-DE" b="1" dirty="0" smtClean="0"/>
+              <a:rPr lang="de-DE" b="1" dirty="0"/>
               <a:t>Eingabe mit Validierung</a:t>
             </a:r>
-            <a:endParaRPr lang="de-DE" b="1" dirty="0" smtClean="0"/>
           </a:p>
           <a:p>
             <a:pPr>
@@ -12703,7 +12506,7 @@
               <a:buChar char="•"/>
             </a:pPr>
             <a:r>
-              <a:rPr lang="de-DE" dirty="0" smtClean="0"/>
+              <a:rPr lang="de-DE" dirty="0"/>
               <a:t> Inputfelder mit Typ</a:t>
             </a:r>
           </a:p>
@@ -12718,13 +12521,9 @@
             </a:r>
             <a:r>
               <a:rPr lang="de-DE" dirty="0" err="1"/>
-              <a:t>R</a:t>
-            </a:r>
-            <a:r>
-              <a:rPr lang="de-DE" dirty="0" err="1" smtClean="0"/>
-              <a:t>equired</a:t>
-            </a:r>
-            <a:endParaRPr lang="de-DE" dirty="0" smtClean="0"/>
+              <a:t>Required</a:t>
+            </a:r>
+            <a:endParaRPr lang="de-DE" dirty="0"/>
           </a:p>
           <a:p>
             <a:pPr>
@@ -12733,13 +12532,8 @@
             </a:pPr>
             <a:r>
               <a:rPr lang="de-DE" dirty="0"/>
-              <a:t> </a:t>
-            </a:r>
-            <a:r>
-              <a:rPr lang="de-DE" dirty="0" smtClean="0"/>
-              <a:t>Min, Max</a:t>
-            </a:r>
-            <a:endParaRPr lang="de-DE" dirty="0" smtClean="0"/>
+              <a:t> Min, Max</a:t>
+            </a:r>
           </a:p>
         </p:txBody>
       </p:sp>
@@ -12852,13 +12646,13 @@
   <p:clrMapOvr>
     <a:masterClrMapping/>
   </p:clrMapOvr>
-  <mc:AlternateContent xmlns:mc="http://schemas.openxmlformats.org/markup-compatibility/2006">
-    <mc:Choice xmlns:p14="http://schemas.microsoft.com/office/powerpoint/2010/main" Requires="p14">
+  <mc:AlternateContent xmlns:mc="http://schemas.openxmlformats.org/markup-compatibility/2006" xmlns:p14="http://schemas.microsoft.com/office/powerpoint/2010/main">
+    <mc:Choice Requires="p14">
       <p:transition spd="med" p14:dur="700">
         <p:fade/>
       </p:transition>
     </mc:Choice>
-    <mc:Fallback>
+    <mc:Fallback xmlns="">
       <p:transition spd="med">
         <p:fade/>
       </p:transition>
@@ -13233,10 +13027,9 @@
               <a:buNone/>
             </a:pPr>
             <a:r>
-              <a:rPr lang="de-DE" sz="7200" b="1" dirty="0" smtClean="0"/>
+              <a:rPr lang="de-DE" sz="7200" b="1" dirty="0"/>
               <a:t>Vorbereitung</a:t>
             </a:r>
-            <a:endParaRPr lang="de-DE" sz="7200" b="1" dirty="0"/>
           </a:p>
         </p:txBody>
       </p:sp>
@@ -13250,13 +13043,6 @@
   <p:clrMapOvr>
     <a:masterClrMapping/>
   </p:clrMapOvr>
-  <p:timing>
-    <p:tnLst>
-      <p:par>
-        <p:cTn id="1" dur="indefinite" restart="never" nodeType="tmRoot"/>
-      </p:par>
-    </p:tnLst>
-  </p:timing>
 </p:sld>
 </file>
 
@@ -13293,10 +13079,9 @@
           <a:lstStyle/>
           <a:p>
             <a:r>
-              <a:rPr lang="de-DE" dirty="0" smtClean="0"/>
+              <a:rPr lang="de-DE" dirty="0"/>
               <a:t>Frontend - Objekt</a:t>
             </a:r>
-            <a:endParaRPr lang="de-DE" dirty="0"/>
           </a:p>
         </p:txBody>
       </p:sp>
@@ -13321,10 +13106,9 @@
               <a:buNone/>
             </a:pPr>
             <a:r>
-              <a:rPr lang="de-DE" b="1" dirty="0" smtClean="0"/>
+              <a:rPr lang="de-DE" b="1" dirty="0"/>
               <a:t>Bearbeiten</a:t>
             </a:r>
-            <a:endParaRPr lang="de-DE" b="1" dirty="0" smtClean="0"/>
           </a:p>
           <a:p>
             <a:pPr>
@@ -13333,15 +13117,7 @@
             </a:pPr>
             <a:r>
               <a:rPr lang="de-DE" dirty="0"/>
-              <a:t> </a:t>
-            </a:r>
-            <a:r>
-              <a:rPr lang="de-DE" dirty="0" smtClean="0"/>
-              <a:t>Daten </a:t>
-            </a:r>
-            <a:r>
-              <a:rPr lang="de-DE" dirty="0"/>
-              <a:t>in Formular geladen</a:t>
+              <a:t> Daten in Formular geladen</a:t>
             </a:r>
           </a:p>
           <a:p>
@@ -13414,13 +13190,6 @@
   <p:clrMapOvr>
     <a:masterClrMapping/>
   </p:clrMapOvr>
-  <p:timing>
-    <p:tnLst>
-      <p:par>
-        <p:cTn id="1" dur="indefinite" restart="never" nodeType="tmRoot"/>
-      </p:par>
-    </p:tnLst>
-  </p:timing>
 </p:sld>
 </file>
 
@@ -13457,10 +13226,9 @@
           <a:lstStyle/>
           <a:p>
             <a:r>
-              <a:rPr lang="de-DE" dirty="0" smtClean="0"/>
+              <a:rPr lang="de-DE" dirty="0"/>
               <a:t>Frontend - Buchung</a:t>
             </a:r>
-            <a:endParaRPr lang="de-DE" dirty="0"/>
           </a:p>
         </p:txBody>
       </p:sp>
@@ -13485,10 +13253,9 @@
               <a:buNone/>
             </a:pPr>
             <a:r>
-              <a:rPr lang="de-DE" b="1" dirty="0" smtClean="0"/>
+              <a:rPr lang="de-DE" b="1" dirty="0"/>
               <a:t>Eingabe mit Validierung</a:t>
             </a:r>
-            <a:endParaRPr lang="de-DE" b="1" dirty="0" smtClean="0"/>
           </a:p>
           <a:p>
             <a:pPr>
@@ -13497,11 +13264,7 @@
             </a:pPr>
             <a:r>
               <a:rPr lang="de-DE" dirty="0"/>
-              <a:t> </a:t>
-            </a:r>
-            <a:r>
-              <a:rPr lang="de-DE" dirty="0" smtClean="0"/>
-              <a:t>Kunde mit Autovervollständigung</a:t>
+              <a:t> Kunde mit Autovervollständigung</a:t>
             </a:r>
           </a:p>
           <a:p>
@@ -13511,11 +13274,7 @@
             </a:pPr>
             <a:r>
               <a:rPr lang="de-DE" dirty="0"/>
-              <a:t> </a:t>
-            </a:r>
-            <a:r>
-              <a:rPr lang="de-DE" dirty="0" smtClean="0"/>
-              <a:t>Objekt mit Autovervollständigung</a:t>
+              <a:t> Objekt mit Autovervollständigung</a:t>
             </a:r>
           </a:p>
           <a:p>
@@ -13525,11 +13284,7 @@
             </a:pPr>
             <a:r>
               <a:rPr lang="de-DE" dirty="0"/>
-              <a:t> </a:t>
-            </a:r>
-            <a:r>
-              <a:rPr lang="de-DE" dirty="0" smtClean="0"/>
-              <a:t>Personenanzahl per Dropdown</a:t>
+              <a:t> Personenanzahl per Dropdown</a:t>
             </a:r>
           </a:p>
           <a:p>
@@ -13539,17 +13294,13 @@
             </a:pPr>
             <a:r>
               <a:rPr lang="de-DE" dirty="0"/>
-              <a:t> </a:t>
-            </a:r>
-            <a:r>
-              <a:rPr lang="de-DE" dirty="0" smtClean="0"/>
-              <a:t>Startdatum als </a:t>
-            </a:r>
-            <a:r>
-              <a:rPr lang="de-DE" dirty="0" err="1" smtClean="0"/>
+              <a:t> Startdatum als </a:t>
+            </a:r>
+            <a:r>
+              <a:rPr lang="de-DE" dirty="0" err="1"/>
               <a:t>Datepicker</a:t>
             </a:r>
-            <a:endParaRPr lang="de-DE" dirty="0" smtClean="0"/>
+            <a:endParaRPr lang="de-DE" dirty="0"/>
           </a:p>
           <a:p>
             <a:pPr>
@@ -13557,18 +13308,17 @@
               <a:buChar char="•"/>
             </a:pPr>
             <a:r>
-              <a:rPr lang="de-DE" dirty="0" smtClean="0"/>
+              <a:rPr lang="de-DE" dirty="0"/>
               <a:t> Enddatum als </a:t>
             </a:r>
             <a:r>
-              <a:rPr lang="de-DE" dirty="0" err="1" smtClean="0"/>
+              <a:rPr lang="de-DE" dirty="0" err="1"/>
               <a:t>Datepicker</a:t>
             </a:r>
             <a:r>
-              <a:rPr lang="de-DE" dirty="0" smtClean="0"/>
+              <a:rPr lang="de-DE" dirty="0"/>
               <a:t> </a:t>
             </a:r>
-            <a:endParaRPr lang="de-DE" dirty="0"/>
           </a:p>
         </p:txBody>
       </p:sp>
@@ -13671,13 +13421,6 @@
   <p:clrMapOvr>
     <a:masterClrMapping/>
   </p:clrMapOvr>
-  <p:timing>
-    <p:tnLst>
-      <p:par>
-        <p:cTn id="1" dur="indefinite" restart="never" nodeType="tmRoot"/>
-      </p:par>
-    </p:tnLst>
-  </p:timing>
 </p:sld>
 </file>
 
@@ -13714,10 +13457,9 @@
           <a:lstStyle/>
           <a:p>
             <a:r>
-              <a:rPr lang="de-DE" dirty="0" smtClean="0"/>
+              <a:rPr lang="de-DE" dirty="0"/>
               <a:t>Frontend - Buchung</a:t>
             </a:r>
-            <a:endParaRPr lang="de-DE" dirty="0"/>
           </a:p>
         </p:txBody>
       </p:sp>
@@ -13742,10 +13484,9 @@
               <a:buNone/>
             </a:pPr>
             <a:r>
-              <a:rPr lang="de-DE" b="1" dirty="0" smtClean="0"/>
+              <a:rPr lang="de-DE" b="1" dirty="0"/>
               <a:t>Eingabe mit Validierung</a:t>
             </a:r>
-            <a:endParaRPr lang="de-DE" b="1" dirty="0" smtClean="0"/>
           </a:p>
           <a:p>
             <a:pPr>
@@ -13754,11 +13495,7 @@
             </a:pPr>
             <a:r>
               <a:rPr lang="de-DE" dirty="0"/>
-              <a:t> </a:t>
-            </a:r>
-            <a:r>
-              <a:rPr lang="de-DE" dirty="0" smtClean="0"/>
-              <a:t>Kunde mit Autovervollständigung</a:t>
+              <a:t> Kunde mit Autovervollständigung</a:t>
             </a:r>
           </a:p>
           <a:p>
@@ -13768,11 +13505,7 @@
             </a:pPr>
             <a:r>
               <a:rPr lang="de-DE" dirty="0"/>
-              <a:t> </a:t>
-            </a:r>
-            <a:r>
-              <a:rPr lang="de-DE" dirty="0" smtClean="0"/>
-              <a:t>Objekt mit Autovervollständigung</a:t>
+              <a:t> Objekt mit Autovervollständigung</a:t>
             </a:r>
           </a:p>
           <a:p>
@@ -13782,11 +13515,7 @@
             </a:pPr>
             <a:r>
               <a:rPr lang="de-DE" dirty="0"/>
-              <a:t> </a:t>
-            </a:r>
-            <a:r>
-              <a:rPr lang="de-DE" dirty="0" smtClean="0"/>
-              <a:t>Personenanzahl per Dropdown</a:t>
+              <a:t> Personenanzahl per Dropdown</a:t>
             </a:r>
           </a:p>
           <a:p>
@@ -13796,17 +13525,13 @@
             </a:pPr>
             <a:r>
               <a:rPr lang="de-DE" dirty="0"/>
-              <a:t> </a:t>
-            </a:r>
-            <a:r>
-              <a:rPr lang="de-DE" dirty="0" smtClean="0"/>
-              <a:t>Startdatum als </a:t>
-            </a:r>
-            <a:r>
-              <a:rPr lang="de-DE" dirty="0" err="1" smtClean="0"/>
+              <a:t> Startdatum als </a:t>
+            </a:r>
+            <a:r>
+              <a:rPr lang="de-DE" dirty="0" err="1"/>
               <a:t>Datepicker</a:t>
             </a:r>
-            <a:endParaRPr lang="de-DE" dirty="0" smtClean="0"/>
+            <a:endParaRPr lang="de-DE" dirty="0"/>
           </a:p>
           <a:p>
             <a:pPr>
@@ -13814,18 +13539,17 @@
               <a:buChar char="•"/>
             </a:pPr>
             <a:r>
-              <a:rPr lang="de-DE" dirty="0" smtClean="0"/>
+              <a:rPr lang="de-DE" dirty="0"/>
               <a:t> Enddatum als </a:t>
             </a:r>
             <a:r>
-              <a:rPr lang="de-DE" dirty="0" err="1" smtClean="0"/>
+              <a:rPr lang="de-DE" dirty="0" err="1"/>
               <a:t>Datepicker</a:t>
             </a:r>
             <a:r>
-              <a:rPr lang="de-DE" dirty="0" smtClean="0"/>
+              <a:rPr lang="de-DE" dirty="0"/>
               <a:t> </a:t>
             </a:r>
-            <a:endParaRPr lang="de-DE" dirty="0"/>
           </a:p>
         </p:txBody>
       </p:sp>
@@ -13968,13 +13692,13 @@
   <p:clrMapOvr>
     <a:masterClrMapping/>
   </p:clrMapOvr>
-  <mc:AlternateContent xmlns:mc="http://schemas.openxmlformats.org/markup-compatibility/2006">
-    <mc:Choice xmlns:p14="http://schemas.microsoft.com/office/powerpoint/2010/main" Requires="p14">
+  <mc:AlternateContent xmlns:mc="http://schemas.openxmlformats.org/markup-compatibility/2006" xmlns:p14="http://schemas.microsoft.com/office/powerpoint/2010/main">
+    <mc:Choice Requires="p14">
       <p:transition spd="med" p14:dur="700">
         <p:fade/>
       </p:transition>
     </mc:Choice>
-    <mc:Fallback>
+    <mc:Fallback xmlns="">
       <p:transition spd="med">
         <p:fade/>
       </p:transition>
@@ -14094,10 +13818,9 @@
           <a:lstStyle/>
           <a:p>
             <a:r>
-              <a:rPr lang="de-DE" dirty="0" smtClean="0"/>
+              <a:rPr lang="de-DE" dirty="0"/>
               <a:t>Frontend - Buchung</a:t>
             </a:r>
-            <a:endParaRPr lang="de-DE" dirty="0"/>
           </a:p>
         </p:txBody>
       </p:sp>
@@ -14122,10 +13845,9 @@
               <a:buNone/>
             </a:pPr>
             <a:r>
-              <a:rPr lang="de-DE" b="1" dirty="0" smtClean="0"/>
+              <a:rPr lang="de-DE" b="1" dirty="0"/>
               <a:t>Bearbeiten</a:t>
             </a:r>
-            <a:endParaRPr lang="de-DE" b="1" dirty="0" smtClean="0"/>
           </a:p>
           <a:p>
             <a:pPr>
@@ -14134,11 +13856,7 @@
             </a:pPr>
             <a:r>
               <a:rPr lang="de-DE" dirty="0"/>
-              <a:t> </a:t>
-            </a:r>
-            <a:r>
-              <a:rPr lang="de-DE" dirty="0" smtClean="0"/>
-              <a:t>Kunde mit Autovervollständigung</a:t>
+              <a:t> Kunde mit Autovervollständigung</a:t>
             </a:r>
           </a:p>
           <a:p>
@@ -14148,11 +13866,7 @@
             </a:pPr>
             <a:r>
               <a:rPr lang="de-DE" dirty="0"/>
-              <a:t> </a:t>
-            </a:r>
-            <a:r>
-              <a:rPr lang="de-DE" dirty="0" smtClean="0"/>
-              <a:t>Objekt mit Autovervollständigung</a:t>
+              <a:t> Objekt mit Autovervollständigung</a:t>
             </a:r>
           </a:p>
           <a:p>
@@ -14162,11 +13876,7 @@
             </a:pPr>
             <a:r>
               <a:rPr lang="de-DE" dirty="0"/>
-              <a:t> </a:t>
-            </a:r>
-            <a:r>
-              <a:rPr lang="de-DE" dirty="0" smtClean="0"/>
-              <a:t>Personenanzahl per Dropdown</a:t>
+              <a:t> Personenanzahl per Dropdown</a:t>
             </a:r>
           </a:p>
           <a:p>
@@ -14176,17 +13886,13 @@
             </a:pPr>
             <a:r>
               <a:rPr lang="de-DE" dirty="0"/>
-              <a:t> </a:t>
-            </a:r>
-            <a:r>
-              <a:rPr lang="de-DE" dirty="0" smtClean="0"/>
-              <a:t>Startdatum als </a:t>
-            </a:r>
-            <a:r>
-              <a:rPr lang="de-DE" dirty="0" err="1" smtClean="0"/>
+              <a:t> Startdatum als </a:t>
+            </a:r>
+            <a:r>
+              <a:rPr lang="de-DE" dirty="0" err="1"/>
               <a:t>Datepicker</a:t>
             </a:r>
-            <a:endParaRPr lang="de-DE" dirty="0" smtClean="0"/>
+            <a:endParaRPr lang="de-DE" dirty="0"/>
           </a:p>
           <a:p>
             <a:pPr>
@@ -14194,18 +13900,17 @@
               <a:buChar char="•"/>
             </a:pPr>
             <a:r>
-              <a:rPr lang="de-DE" dirty="0" smtClean="0"/>
+              <a:rPr lang="de-DE" dirty="0"/>
               <a:t> Enddatum als </a:t>
             </a:r>
             <a:r>
-              <a:rPr lang="de-DE" dirty="0" err="1" smtClean="0"/>
+              <a:rPr lang="de-DE" dirty="0" err="1"/>
               <a:t>Datepicker</a:t>
             </a:r>
             <a:r>
-              <a:rPr lang="de-DE" dirty="0" smtClean="0"/>
+              <a:rPr lang="de-DE" dirty="0"/>
               <a:t> </a:t>
             </a:r>
-            <a:endParaRPr lang="de-DE" dirty="0"/>
           </a:p>
         </p:txBody>
       </p:sp>
@@ -14279,13 +13984,6 @@
   <p:clrMapOvr>
     <a:masterClrMapping/>
   </p:clrMapOvr>
-  <p:timing>
-    <p:tnLst>
-      <p:par>
-        <p:cTn id="1" dur="indefinite" restart="never" nodeType="tmRoot"/>
-      </p:par>
-    </p:tnLst>
-  </p:timing>
 </p:sld>
 </file>
 
@@ -14322,10 +14020,9 @@
           <a:lstStyle/>
           <a:p>
             <a:r>
-              <a:rPr lang="de-DE" dirty="0" smtClean="0"/>
+              <a:rPr lang="de-DE" dirty="0"/>
               <a:t>Frontend - Buchung</a:t>
             </a:r>
-            <a:endParaRPr lang="de-DE" dirty="0"/>
           </a:p>
         </p:txBody>
       </p:sp>
@@ -14350,10 +14047,9 @@
               <a:buNone/>
             </a:pPr>
             <a:r>
-              <a:rPr lang="de-DE" b="1" dirty="0" smtClean="0"/>
+              <a:rPr lang="de-DE" b="1" dirty="0"/>
               <a:t>Bearbeiten</a:t>
             </a:r>
-            <a:endParaRPr lang="de-DE" b="1" dirty="0" smtClean="0"/>
           </a:p>
           <a:p>
             <a:pPr>
@@ -14362,11 +14058,7 @@
             </a:pPr>
             <a:r>
               <a:rPr lang="de-DE" dirty="0"/>
-              <a:t> </a:t>
-            </a:r>
-            <a:r>
-              <a:rPr lang="de-DE" dirty="0" smtClean="0"/>
-              <a:t>Kunde mit Autovervollständigung</a:t>
+              <a:t> Kunde mit Autovervollständigung</a:t>
             </a:r>
           </a:p>
           <a:p>
@@ -14376,11 +14068,7 @@
             </a:pPr>
             <a:r>
               <a:rPr lang="de-DE" dirty="0"/>
-              <a:t> </a:t>
-            </a:r>
-            <a:r>
-              <a:rPr lang="de-DE" dirty="0" smtClean="0"/>
-              <a:t>Objekt mit Autovervollständigung</a:t>
+              <a:t> Objekt mit Autovervollständigung</a:t>
             </a:r>
           </a:p>
           <a:p>
@@ -14390,11 +14078,7 @@
             </a:pPr>
             <a:r>
               <a:rPr lang="de-DE" dirty="0"/>
-              <a:t> </a:t>
-            </a:r>
-            <a:r>
-              <a:rPr lang="de-DE" dirty="0" smtClean="0"/>
-              <a:t>Personenanzahl per Dropdown</a:t>
+              <a:t> Personenanzahl per Dropdown</a:t>
             </a:r>
           </a:p>
           <a:p>
@@ -14404,17 +14088,13 @@
             </a:pPr>
             <a:r>
               <a:rPr lang="de-DE" dirty="0"/>
-              <a:t> </a:t>
-            </a:r>
-            <a:r>
-              <a:rPr lang="de-DE" dirty="0" smtClean="0"/>
-              <a:t>Startdatum als </a:t>
-            </a:r>
-            <a:r>
-              <a:rPr lang="de-DE" dirty="0" err="1" smtClean="0"/>
+              <a:t> Startdatum als </a:t>
+            </a:r>
+            <a:r>
+              <a:rPr lang="de-DE" dirty="0" err="1"/>
               <a:t>Datepicker</a:t>
             </a:r>
-            <a:endParaRPr lang="de-DE" dirty="0" smtClean="0"/>
+            <a:endParaRPr lang="de-DE" dirty="0"/>
           </a:p>
           <a:p>
             <a:pPr>
@@ -14422,18 +14102,17 @@
               <a:buChar char="•"/>
             </a:pPr>
             <a:r>
-              <a:rPr lang="de-DE" dirty="0" smtClean="0"/>
+              <a:rPr lang="de-DE" dirty="0"/>
               <a:t> Enddatum als </a:t>
             </a:r>
             <a:r>
-              <a:rPr lang="de-DE" dirty="0" err="1" smtClean="0"/>
+              <a:rPr lang="de-DE" dirty="0" err="1"/>
               <a:t>Datepicker</a:t>
             </a:r>
             <a:r>
-              <a:rPr lang="de-DE" dirty="0" smtClean="0"/>
+              <a:rPr lang="de-DE" dirty="0"/>
               <a:t> </a:t>
             </a:r>
-            <a:endParaRPr lang="de-DE" dirty="0"/>
           </a:p>
         </p:txBody>
       </p:sp>
@@ -14577,13 +14256,13 @@
   <p:clrMapOvr>
     <a:masterClrMapping/>
   </p:clrMapOvr>
-  <mc:AlternateContent xmlns:mc="http://schemas.openxmlformats.org/markup-compatibility/2006">
-    <mc:Choice xmlns:p14="http://schemas.microsoft.com/office/powerpoint/2010/main" Requires="p14">
+  <mc:AlternateContent xmlns:mc="http://schemas.openxmlformats.org/markup-compatibility/2006" xmlns:p14="http://schemas.microsoft.com/office/powerpoint/2010/main">
+    <mc:Choice Requires="p14">
       <p:transition spd="med" p14:dur="700">
         <p:fade/>
       </p:transition>
     </mc:Choice>
-    <mc:Fallback>
+    <mc:Fallback xmlns="">
       <p:transition spd="med">
         <p:fade/>
       </p:transition>
@@ -14703,10 +14382,9 @@
           <a:lstStyle/>
           <a:p>
             <a:r>
-              <a:rPr lang="de-DE" dirty="0" smtClean="0"/>
+              <a:rPr lang="de-DE" dirty="0"/>
               <a:t>Frontend - Kalender</a:t>
             </a:r>
-            <a:endParaRPr lang="de-DE" dirty="0"/>
           </a:p>
         </p:txBody>
       </p:sp>
@@ -14731,10 +14409,9 @@
               <a:buNone/>
             </a:pPr>
             <a:r>
-              <a:rPr lang="de-DE" b="1" dirty="0" smtClean="0"/>
+              <a:rPr lang="de-DE" b="1" dirty="0"/>
               <a:t>HEADLINE</a:t>
             </a:r>
-            <a:endParaRPr lang="de-DE" b="1" dirty="0" smtClean="0"/>
           </a:p>
           <a:p>
             <a:pPr>
@@ -14743,13 +14420,8 @@
             </a:pPr>
             <a:r>
               <a:rPr lang="de-DE" dirty="0"/>
-              <a:t> </a:t>
-            </a:r>
-            <a:r>
-              <a:rPr lang="de-DE" dirty="0" smtClean="0"/>
-              <a:t>SUBLINE</a:t>
-            </a:r>
-            <a:endParaRPr lang="de-DE" dirty="0"/>
+              <a:t> SUBLINE</a:t>
+            </a:r>
           </a:p>
         </p:txBody>
       </p:sp>
@@ -14763,13 +14435,6 @@
   <p:clrMapOvr>
     <a:masterClrMapping/>
   </p:clrMapOvr>
-  <p:timing>
-    <p:tnLst>
-      <p:par>
-        <p:cTn id="1" dur="indefinite" restart="never" nodeType="tmRoot"/>
-      </p:par>
-    </p:tnLst>
-  </p:timing>
 </p:sld>
 </file>
 
@@ -15061,10 +14726,9 @@
               <a:buNone/>
             </a:pPr>
             <a:r>
-              <a:rPr lang="de-DE" sz="7200" b="1" dirty="0" smtClean="0"/>
+              <a:rPr lang="de-DE" sz="7200" b="1" dirty="0"/>
               <a:t>Backend</a:t>
             </a:r>
-            <a:endParaRPr lang="de-DE" sz="7200" b="1" dirty="0"/>
           </a:p>
         </p:txBody>
       </p:sp>
@@ -15078,13 +14742,6 @@
   <p:clrMapOvr>
     <a:masterClrMapping/>
   </p:clrMapOvr>
-  <p:timing>
-    <p:tnLst>
-      <p:par>
-        <p:cTn id="1" dur="indefinite" restart="never" nodeType="tmRoot"/>
-      </p:par>
-    </p:tnLst>
-  </p:timing>
 </p:sld>
 </file>
 
@@ -15121,10 +14778,9 @@
           <a:lstStyle/>
           <a:p>
             <a:r>
-              <a:rPr lang="de-DE" dirty="0" smtClean="0"/>
+              <a:rPr lang="de-DE" dirty="0"/>
               <a:t>Backend - Datenbank</a:t>
             </a:r>
-            <a:endParaRPr lang="de-DE" dirty="0"/>
           </a:p>
         </p:txBody>
       </p:sp>
@@ -15149,10 +14805,10 @@
               <a:buNone/>
             </a:pPr>
             <a:r>
-              <a:rPr lang="de-DE" b="1" dirty="0" smtClean="0"/>
-              <a:t>HEADLINE</a:t>
-            </a:r>
-            <a:endParaRPr lang="de-DE" b="1" dirty="0" smtClean="0"/>
+              <a:rPr lang="de-DE" b="1"/>
+              <a:t>Struktur</a:t>
+            </a:r>
+            <a:endParaRPr lang="de-DE" b="1" dirty="0"/>
           </a:p>
           <a:p>
             <a:pPr>
@@ -15161,13 +14817,8 @@
             </a:pPr>
             <a:r>
               <a:rPr lang="de-DE" dirty="0"/>
-              <a:t> </a:t>
-            </a:r>
-            <a:r>
-              <a:rPr lang="de-DE" dirty="0" smtClean="0"/>
-              <a:t>SUBLINE</a:t>
-            </a:r>
-            <a:endParaRPr lang="de-DE" dirty="0"/>
+              <a:t> SUBLINE</a:t>
+            </a:r>
           </a:p>
         </p:txBody>
       </p:sp>
@@ -15181,13 +14832,6 @@
   <p:clrMapOvr>
     <a:masterClrMapping/>
   </p:clrMapOvr>
-  <p:timing>
-    <p:tnLst>
-      <p:par>
-        <p:cTn id="1" dur="indefinite" restart="never" nodeType="tmRoot"/>
-      </p:par>
-    </p:tnLst>
-  </p:timing>
 </p:sld>
 </file>
 
@@ -15224,10 +14868,9 @@
           <a:lstStyle/>
           <a:p>
             <a:r>
-              <a:rPr lang="de-DE" dirty="0" smtClean="0"/>
+              <a:rPr lang="de-DE" dirty="0"/>
               <a:t>Backend - Zugriffsverwaltung</a:t>
             </a:r>
-            <a:endParaRPr lang="de-DE" dirty="0"/>
           </a:p>
         </p:txBody>
       </p:sp>
@@ -15252,10 +14895,9 @@
               <a:buNone/>
             </a:pPr>
             <a:r>
-              <a:rPr lang="de-DE" b="1" dirty="0" smtClean="0"/>
+              <a:rPr lang="de-DE" b="1" dirty="0"/>
               <a:t>HEADLINE</a:t>
             </a:r>
-            <a:endParaRPr lang="de-DE" b="1" dirty="0" smtClean="0"/>
           </a:p>
           <a:p>
             <a:pPr>
@@ -15264,13 +14906,8 @@
             </a:pPr>
             <a:r>
               <a:rPr lang="de-DE" dirty="0"/>
-              <a:t> </a:t>
-            </a:r>
-            <a:r>
-              <a:rPr lang="de-DE" dirty="0" smtClean="0"/>
-              <a:t>SUBLINE</a:t>
-            </a:r>
-            <a:endParaRPr lang="de-DE" dirty="0"/>
+              <a:t> SUBLINE</a:t>
+            </a:r>
           </a:p>
         </p:txBody>
       </p:sp>
@@ -15284,13 +14921,6 @@
   <p:clrMapOvr>
     <a:masterClrMapping/>
   </p:clrMapOvr>
-  <p:timing>
-    <p:tnLst>
-      <p:par>
-        <p:cTn id="1" dur="indefinite" restart="never" nodeType="tmRoot"/>
-      </p:par>
-    </p:tnLst>
-  </p:timing>
 </p:sld>
 </file>
 
@@ -15582,10 +15212,9 @@
               <a:buNone/>
             </a:pPr>
             <a:r>
-              <a:rPr lang="de-DE" sz="7200" b="1" dirty="0" smtClean="0"/>
+              <a:rPr lang="de-DE" sz="7200" b="1" dirty="0"/>
               <a:t>Demo</a:t>
             </a:r>
-            <a:endParaRPr lang="de-DE" sz="7200" b="1" dirty="0"/>
           </a:p>
         </p:txBody>
       </p:sp>
@@ -15599,13 +15228,6 @@
   <p:clrMapOvr>
     <a:masterClrMapping/>
   </p:clrMapOvr>
-  <p:timing>
-    <p:tnLst>
-      <p:par>
-        <p:cTn id="1" dur="indefinite" restart="never" nodeType="tmRoot"/>
-      </p:par>
-    </p:tnLst>
-  </p:timing>
 </p:sld>
 </file>
 
@@ -15642,10 +15264,9 @@
           <a:lstStyle/>
           <a:p>
             <a:r>
-              <a:rPr lang="de-DE" dirty="0" smtClean="0"/>
+              <a:rPr lang="de-DE" dirty="0"/>
               <a:t>Zielsetzung</a:t>
             </a:r>
-            <a:endParaRPr lang="de-DE" dirty="0"/>
           </a:p>
         </p:txBody>
       </p:sp>
@@ -15668,7 +15289,7 @@
               <a:buNone/>
             </a:pPr>
             <a:r>
-              <a:rPr lang="de-DE" b="1" dirty="0" smtClean="0"/>
+              <a:rPr lang="de-DE" b="1" dirty="0"/>
               <a:t>Software zur Verwaltung von Ferienhäuser / Wohnungen </a:t>
             </a:r>
           </a:p>
@@ -15678,7 +15299,7 @@
               <a:buChar char="•"/>
             </a:pPr>
             <a:r>
-              <a:rPr lang="de-DE" dirty="0" smtClean="0"/>
+              <a:rPr lang="de-DE" dirty="0"/>
               <a:t> Verschiedene Geräte</a:t>
             </a:r>
           </a:p>
@@ -15688,7 +15309,7 @@
               <a:buChar char="•"/>
             </a:pPr>
             <a:r>
-              <a:rPr lang="de-DE" dirty="0" smtClean="0"/>
+              <a:rPr lang="de-DE" dirty="0"/>
               <a:t> Plattformunabhängig</a:t>
             </a:r>
           </a:p>
@@ -15698,7 +15319,7 @@
               <a:buChar char="•"/>
             </a:pPr>
             <a:r>
-              <a:rPr lang="de-DE" dirty="0" smtClean="0"/>
+              <a:rPr lang="de-DE" dirty="0"/>
               <a:t> Viele Nutzer gleichzeitig</a:t>
             </a:r>
           </a:p>
@@ -15708,7 +15329,7 @@
               <a:buChar char="•"/>
             </a:pPr>
             <a:r>
-              <a:rPr lang="de-DE" dirty="0" smtClean="0"/>
+              <a:rPr lang="de-DE" dirty="0"/>
               <a:t> Von überall aus erreichbar</a:t>
             </a:r>
           </a:p>
@@ -15719,11 +15340,7 @@
             </a:pPr>
             <a:r>
               <a:rPr lang="de-DE" dirty="0"/>
-              <a:t> </a:t>
-            </a:r>
-            <a:r>
-              <a:rPr lang="de-DE" dirty="0" smtClean="0"/>
-              <a:t>Authentifizierung</a:t>
+              <a:t> Authentifizierung</a:t>
             </a:r>
           </a:p>
           <a:p>
@@ -15733,11 +15350,7 @@
             </a:pPr>
             <a:r>
               <a:rPr lang="de-DE" dirty="0"/>
-              <a:t> </a:t>
-            </a:r>
-            <a:r>
-              <a:rPr lang="de-DE" dirty="0" smtClean="0"/>
-              <a:t>Intuitive Benutzeroberfläche</a:t>
+              <a:t> Intuitive Benutzeroberfläche</a:t>
             </a:r>
           </a:p>
           <a:p>
@@ -15747,11 +15360,7 @@
             </a:pPr>
             <a:r>
               <a:rPr lang="de-DE" dirty="0"/>
-              <a:t> </a:t>
-            </a:r>
-            <a:r>
-              <a:rPr lang="de-DE" dirty="0" smtClean="0"/>
-              <a:t>Kunde, Objekt und Buchung</a:t>
+              <a:t> Kunde, Objekt und Buchung</a:t>
             </a:r>
           </a:p>
           <a:p>
@@ -16230,10 +15839,9 @@
           <a:lstStyle/>
           <a:p>
             <a:r>
-              <a:rPr lang="de-DE" dirty="0" smtClean="0"/>
+              <a:rPr lang="de-DE" dirty="0"/>
               <a:t>Vielen Dank</a:t>
             </a:r>
-            <a:endParaRPr lang="de-DE" dirty="0"/>
           </a:p>
         </p:txBody>
       </p:sp>
@@ -16258,7 +15866,7 @@
               <a:buNone/>
             </a:pPr>
             <a:r>
-              <a:rPr lang="de-DE" b="1" dirty="0" smtClean="0"/>
+              <a:rPr lang="de-DE" b="1" dirty="0"/>
               <a:t>Für eure Aufmerksamkeit</a:t>
             </a:r>
             <a:endParaRPr lang="de-DE" dirty="0"/>
@@ -16267,7 +15875,7 @@
             <a:pPr marL="0" indent="0">
               <a:buNone/>
             </a:pPr>
-            <a:endParaRPr lang="de-DE" dirty="0" smtClean="0"/>
+            <a:endParaRPr lang="de-DE" dirty="0"/>
           </a:p>
         </p:txBody>
       </p:sp>
@@ -16281,13 +15889,6 @@
   <p:clrMapOvr>
     <a:masterClrMapping/>
   </p:clrMapOvr>
-  <p:timing>
-    <p:tnLst>
-      <p:par>
-        <p:cTn id="1" dur="indefinite" restart="never" nodeType="tmRoot"/>
-      </p:par>
-    </p:tnLst>
-  </p:timing>
 </p:sld>
 </file>
 
@@ -16324,10 +15925,9 @@
           <a:lstStyle/>
           <a:p>
             <a:r>
-              <a:rPr lang="de-DE" dirty="0" smtClean="0"/>
+              <a:rPr lang="de-DE" dirty="0"/>
               <a:t>Frontend - Buchung</a:t>
             </a:r>
-            <a:endParaRPr lang="de-DE" dirty="0"/>
           </a:p>
         </p:txBody>
       </p:sp>
@@ -16352,10 +15952,9 @@
               <a:buNone/>
             </a:pPr>
             <a:r>
-              <a:rPr lang="de-DE" b="1" dirty="0" smtClean="0"/>
+              <a:rPr lang="de-DE" b="1" dirty="0"/>
               <a:t>Bearbeiten</a:t>
             </a:r>
-            <a:endParaRPr lang="de-DE" b="1" dirty="0" smtClean="0"/>
           </a:p>
           <a:p>
             <a:pPr>
@@ -16364,11 +15963,7 @@
             </a:pPr>
             <a:r>
               <a:rPr lang="de-DE" dirty="0"/>
-              <a:t> </a:t>
-            </a:r>
-            <a:r>
-              <a:rPr lang="de-DE" dirty="0" smtClean="0"/>
-              <a:t>Kunde mit Autovervollständigung</a:t>
+              <a:t> Kunde mit Autovervollständigung</a:t>
             </a:r>
           </a:p>
           <a:p>
@@ -16378,11 +15973,7 @@
             </a:pPr>
             <a:r>
               <a:rPr lang="de-DE" dirty="0"/>
-              <a:t> </a:t>
-            </a:r>
-            <a:r>
-              <a:rPr lang="de-DE" dirty="0" smtClean="0"/>
-              <a:t>Objekt mit Autovervollständigung</a:t>
+              <a:t> Objekt mit Autovervollständigung</a:t>
             </a:r>
           </a:p>
           <a:p>
@@ -16392,11 +15983,7 @@
             </a:pPr>
             <a:r>
               <a:rPr lang="de-DE" dirty="0"/>
-              <a:t> </a:t>
-            </a:r>
-            <a:r>
-              <a:rPr lang="de-DE" dirty="0" smtClean="0"/>
-              <a:t>Personenanzahl per Dropdown</a:t>
+              <a:t> Personenanzahl per Dropdown</a:t>
             </a:r>
           </a:p>
           <a:p>
@@ -16406,17 +15993,13 @@
             </a:pPr>
             <a:r>
               <a:rPr lang="de-DE" dirty="0"/>
-              <a:t> </a:t>
-            </a:r>
-            <a:r>
-              <a:rPr lang="de-DE" dirty="0" smtClean="0"/>
-              <a:t>Startdatum als </a:t>
-            </a:r>
-            <a:r>
-              <a:rPr lang="de-DE" dirty="0" err="1" smtClean="0"/>
+              <a:t> Startdatum als </a:t>
+            </a:r>
+            <a:r>
+              <a:rPr lang="de-DE" dirty="0" err="1"/>
               <a:t>Datepicker</a:t>
             </a:r>
-            <a:endParaRPr lang="de-DE" dirty="0" smtClean="0"/>
+            <a:endParaRPr lang="de-DE" dirty="0"/>
           </a:p>
           <a:p>
             <a:pPr>
@@ -16424,18 +16007,17 @@
               <a:buChar char="•"/>
             </a:pPr>
             <a:r>
-              <a:rPr lang="de-DE" dirty="0" smtClean="0"/>
+              <a:rPr lang="de-DE" dirty="0"/>
               <a:t> Enddatum als </a:t>
             </a:r>
             <a:r>
-              <a:rPr lang="de-DE" dirty="0" err="1" smtClean="0"/>
+              <a:rPr lang="de-DE" dirty="0" err="1"/>
               <a:t>Datepicker</a:t>
             </a:r>
             <a:r>
-              <a:rPr lang="de-DE" dirty="0" smtClean="0"/>
+              <a:rPr lang="de-DE" dirty="0"/>
               <a:t> </a:t>
             </a:r>
-            <a:endParaRPr lang="de-DE" dirty="0"/>
           </a:p>
         </p:txBody>
       </p:sp>
@@ -16549,25 +16131,18 @@
   <p:clrMapOvr>
     <a:masterClrMapping/>
   </p:clrMapOvr>
-  <mc:AlternateContent xmlns:mc="http://schemas.openxmlformats.org/markup-compatibility/2006">
-    <mc:Choice xmlns:p14="http://schemas.microsoft.com/office/powerpoint/2010/main" Requires="p14">
+  <mc:AlternateContent xmlns:mc="http://schemas.openxmlformats.org/markup-compatibility/2006" xmlns:p14="http://schemas.microsoft.com/office/powerpoint/2010/main">
+    <mc:Choice Requires="p14">
       <p:transition spd="med" p14:dur="700">
         <p:fade/>
       </p:transition>
     </mc:Choice>
-    <mc:Fallback>
+    <mc:Fallback xmlns="">
       <p:transition spd="med">
         <p:fade/>
       </p:transition>
     </mc:Fallback>
   </mc:AlternateContent>
-  <p:timing>
-    <p:tnLst>
-      <p:par>
-        <p:cTn id="1" dur="indefinite" restart="never" nodeType="tmRoot"/>
-      </p:par>
-    </p:tnLst>
-  </p:timing>
 </p:sld>
 </file>
 
@@ -16604,10 +16179,9 @@
           <a:lstStyle/>
           <a:p>
             <a:r>
-              <a:rPr lang="de-DE" dirty="0" smtClean="0"/>
+              <a:rPr lang="de-DE" dirty="0"/>
               <a:t>Umsetzung</a:t>
             </a:r>
-            <a:endParaRPr lang="de-DE" dirty="0"/>
           </a:p>
         </p:txBody>
       </p:sp>
@@ -16629,7 +16203,7 @@
             <a:pPr marL="0" indent="0" algn="ctr">
               <a:buNone/>
             </a:pPr>
-            <a:endParaRPr lang="de-DE" b="1" dirty="0" smtClean="0"/>
+            <a:endParaRPr lang="de-DE" b="1" dirty="0"/>
           </a:p>
           <a:p>
             <a:pPr marL="0" indent="0" algn="ctr">
@@ -16641,7 +16215,7 @@
             <a:pPr marL="0" indent="0" algn="ctr">
               <a:buNone/>
             </a:pPr>
-            <a:endParaRPr lang="de-DE" b="1" dirty="0" smtClean="0"/>
+            <a:endParaRPr lang="de-DE" b="1" dirty="0"/>
           </a:p>
           <a:p>
             <a:pPr marL="0" indent="0" algn="ctr">
@@ -16782,10 +16356,9 @@
           <a:lstStyle/>
           <a:p>
             <a:r>
-              <a:rPr lang="de-DE" dirty="0" smtClean="0"/>
+              <a:rPr lang="de-DE" dirty="0"/>
               <a:t>Umsetzung - Webanwendung</a:t>
             </a:r>
-            <a:endParaRPr lang="de-DE" dirty="0"/>
           </a:p>
         </p:txBody>
       </p:sp>
@@ -16811,7 +16384,7 @@
               <a:buChar char="•"/>
             </a:pPr>
             <a:r>
-              <a:rPr lang="de-DE" dirty="0" smtClean="0"/>
+              <a:rPr lang="de-DE" dirty="0"/>
               <a:t> HTML</a:t>
             </a:r>
           </a:p>
@@ -16821,7 +16394,7 @@
               <a:buChar char="•"/>
             </a:pPr>
             <a:r>
-              <a:rPr lang="de-DE" dirty="0" smtClean="0"/>
+              <a:rPr lang="de-DE" dirty="0"/>
               <a:t> CSS</a:t>
             </a:r>
           </a:p>
@@ -16831,7 +16404,7 @@
               <a:buChar char="•"/>
             </a:pPr>
             <a:r>
-              <a:rPr lang="de-DE" dirty="0" smtClean="0"/>
+              <a:rPr lang="de-DE" dirty="0"/>
               <a:t> JavaScript</a:t>
             </a:r>
           </a:p>
@@ -17063,10 +16636,9 @@
           <a:lstStyle/>
           <a:p>
             <a:r>
-              <a:rPr lang="de-DE" dirty="0" smtClean="0"/>
+              <a:rPr lang="de-DE" dirty="0"/>
               <a:t>Umsetzung - Webanwendung</a:t>
             </a:r>
-            <a:endParaRPr lang="de-DE" dirty="0"/>
           </a:p>
         </p:txBody>
       </p:sp>
@@ -17091,7 +16663,7 @@
               <a:buNone/>
             </a:pPr>
             <a:r>
-              <a:rPr lang="de-DE" b="1" dirty="0" smtClean="0"/>
+              <a:rPr lang="de-DE" b="1" dirty="0"/>
               <a:t>Frontend - Technologien</a:t>
             </a:r>
           </a:p>
@@ -17101,14 +16673,14 @@
               <a:buChar char="•"/>
             </a:pPr>
             <a:r>
-              <a:rPr lang="de-DE" dirty="0" smtClean="0"/>
+              <a:rPr lang="de-DE" dirty="0"/>
               <a:t> </a:t>
             </a:r>
             <a:r>
-              <a:rPr lang="de-DE" dirty="0" err="1" smtClean="0"/>
+              <a:rPr lang="de-DE" dirty="0" err="1"/>
               <a:t>AngularJS</a:t>
             </a:r>
-            <a:endParaRPr lang="de-DE" dirty="0" smtClean="0"/>
+            <a:endParaRPr lang="de-DE" dirty="0"/>
           </a:p>
           <a:p>
             <a:pPr>
@@ -17116,14 +16688,14 @@
               <a:buChar char="•"/>
             </a:pPr>
             <a:r>
-              <a:rPr lang="de-DE" dirty="0" smtClean="0"/>
+              <a:rPr lang="de-DE" dirty="0"/>
               <a:t> </a:t>
             </a:r>
             <a:r>
-              <a:rPr lang="de-DE" dirty="0" err="1" smtClean="0"/>
+              <a:rPr lang="de-DE" dirty="0" err="1"/>
               <a:t>Grunt</a:t>
             </a:r>
-            <a:endParaRPr lang="de-DE" dirty="0" smtClean="0"/>
+            <a:endParaRPr lang="de-DE" dirty="0"/>
           </a:p>
           <a:p>
             <a:pPr>
@@ -17131,14 +16703,14 @@
               <a:buChar char="•"/>
             </a:pPr>
             <a:r>
-              <a:rPr lang="de-DE" dirty="0" smtClean="0"/>
+              <a:rPr lang="de-DE" dirty="0"/>
               <a:t> </a:t>
             </a:r>
             <a:r>
-              <a:rPr lang="de-DE" dirty="0" err="1" smtClean="0"/>
+              <a:rPr lang="de-DE" dirty="0" err="1"/>
               <a:t>Sass</a:t>
             </a:r>
-            <a:endParaRPr lang="de-DE" dirty="0" smtClean="0"/>
+            <a:endParaRPr lang="de-DE" dirty="0"/>
           </a:p>
           <a:p>
             <a:pPr>
@@ -17147,11 +16719,7 @@
             </a:pPr>
             <a:r>
               <a:rPr lang="de-DE" dirty="0"/>
-              <a:t> </a:t>
-            </a:r>
-            <a:r>
-              <a:rPr lang="de-DE" dirty="0" smtClean="0"/>
-              <a:t>NPM / Bower</a:t>
+              <a:t> NPM / Bower</a:t>
             </a:r>
           </a:p>
           <a:p>
@@ -17164,25 +16732,10 @@
               <a:t> </a:t>
             </a:r>
             <a:r>
-              <a:rPr lang="de-DE" dirty="0" err="1" smtClean="0"/>
-              <a:t>Grunt</a:t>
-            </a:r>
-            <a:endParaRPr lang="de-DE" dirty="0" smtClean="0"/>
-          </a:p>
-          <a:p>
-            <a:pPr>
-              <a:buFont typeface="Arial" charset="0"/>
-              <a:buChar char="•"/>
-            </a:pPr>
-            <a:r>
-              <a:rPr lang="de-DE" dirty="0" smtClean="0"/>
-              <a:t> </a:t>
-            </a:r>
-            <a:r>
-              <a:rPr lang="de-DE" dirty="0" err="1" smtClean="0"/>
+              <a:rPr lang="de-DE" dirty="0" err="1"/>
               <a:t>Yeoman</a:t>
             </a:r>
-            <a:endParaRPr lang="de-DE" dirty="0" smtClean="0"/>
+            <a:endParaRPr lang="de-DE" dirty="0"/>
           </a:p>
         </p:txBody>
       </p:sp>
@@ -17498,55 +17051,6 @@
                       </p:childTnLst>
                     </p:cTn>
                   </p:par>
-                  <p:par>
-                    <p:cTn id="27" fill="hold">
-                      <p:stCondLst>
-                        <p:cond delay="indefinite"/>
-                      </p:stCondLst>
-                      <p:childTnLst>
-                        <p:par>
-                          <p:cTn id="28" fill="hold">
-                            <p:stCondLst>
-                              <p:cond delay="0"/>
-                            </p:stCondLst>
-                            <p:childTnLst>
-                              <p:par>
-                                <p:cTn id="29" presetID="1" presetClass="entr" presetSubtype="0" fill="hold" grpId="0" nodeType="clickEffect">
-                                  <p:stCondLst>
-                                    <p:cond delay="0"/>
-                                  </p:stCondLst>
-                                  <p:childTnLst>
-                                    <p:set>
-                                      <p:cBhvr>
-                                        <p:cTn id="30" dur="1" fill="hold">
-                                          <p:stCondLst>
-                                            <p:cond delay="0"/>
-                                          </p:stCondLst>
-                                        </p:cTn>
-                                        <p:tgtEl>
-                                          <p:spTgt spid="3">
-                                            <p:txEl>
-                                              <p:pRg st="6" end="6"/>
-                                            </p:txEl>
-                                          </p:spTgt>
-                                        </p:tgtEl>
-                                        <p:attrNameLst>
-                                          <p:attrName>style.visibility</p:attrName>
-                                        </p:attrNameLst>
-                                      </p:cBhvr>
-                                      <p:to>
-                                        <p:strVal val="visible"/>
-                                      </p:to>
-                                    </p:set>
-                                  </p:childTnLst>
-                                </p:cTn>
-                              </p:par>
-                            </p:childTnLst>
-                          </p:cTn>
-                        </p:par>
-                      </p:childTnLst>
-                    </p:cTn>
-                  </p:par>
                 </p:childTnLst>
               </p:cTn>
               <p:prevCondLst>
@@ -17608,10 +17112,9 @@
           <a:lstStyle/>
           <a:p>
             <a:r>
-              <a:rPr lang="de-DE" dirty="0" smtClean="0"/>
+              <a:rPr lang="de-DE" dirty="0"/>
               <a:t>Umsetzung - Webanwendung</a:t>
             </a:r>
-            <a:endParaRPr lang="de-DE" dirty="0"/>
           </a:p>
         </p:txBody>
       </p:sp>
@@ -17636,7 +17139,7 @@
               <a:buNone/>
             </a:pPr>
             <a:r>
-              <a:rPr lang="de-DE" b="1" dirty="0" smtClean="0"/>
+              <a:rPr lang="de-DE" b="1" dirty="0"/>
               <a:t>Frontend - Pakete</a:t>
             </a:r>
           </a:p>
@@ -17646,15 +17149,15 @@
               <a:buChar char="•"/>
             </a:pPr>
             <a:r>
-              <a:rPr lang="de-DE" dirty="0" smtClean="0"/>
+              <a:rPr lang="de-DE" dirty="0"/>
               <a:t> </a:t>
             </a:r>
             <a:r>
-              <a:rPr lang="de-DE" dirty="0" err="1" smtClean="0"/>
+              <a:rPr lang="de-DE" dirty="0" err="1"/>
               <a:t>AngularJS</a:t>
             </a:r>
             <a:r>
-              <a:rPr lang="de-DE" dirty="0" smtClean="0"/>
+              <a:rPr lang="de-DE" dirty="0"/>
               <a:t> Material Design</a:t>
             </a:r>
           </a:p>
@@ -17668,10 +17171,10 @@
               <a:t> </a:t>
             </a:r>
             <a:r>
-              <a:rPr lang="de-DE" dirty="0" err="1" smtClean="0"/>
-              <a:t>Compass</a:t>
-            </a:r>
-            <a:endParaRPr lang="de-DE" dirty="0" smtClean="0"/>
+              <a:rPr lang="de-DE" dirty="0" err="1"/>
+              <a:t>momentjs</a:t>
+            </a:r>
+            <a:endParaRPr lang="de-DE" dirty="0"/>
           </a:p>
           <a:p>
             <a:pPr>
@@ -17683,10 +17186,10 @@
               <a:t> </a:t>
             </a:r>
             <a:r>
-              <a:rPr lang="de-DE" dirty="0" err="1" smtClean="0"/>
+              <a:rPr lang="de-DE" dirty="0" err="1"/>
               <a:t>Fullcalender</a:t>
             </a:r>
-            <a:endParaRPr lang="de-DE" dirty="0" smtClean="0"/>
+            <a:endParaRPr lang="de-DE" dirty="0"/>
           </a:p>
           <a:p>
             <a:pPr>
@@ -17695,11 +17198,7 @@
             </a:pPr>
             <a:r>
               <a:rPr lang="de-DE" dirty="0"/>
-              <a:t> </a:t>
-            </a:r>
-            <a:r>
-              <a:rPr lang="de-DE" dirty="0" smtClean="0"/>
-              <a:t>...</a:t>
+              <a:t> ...</a:t>
             </a:r>
           </a:p>
         </p:txBody>
@@ -18028,10 +17527,9 @@
           <a:lstStyle/>
           <a:p>
             <a:r>
-              <a:rPr lang="de-DE" dirty="0" smtClean="0"/>
+              <a:rPr lang="de-DE" dirty="0"/>
               <a:t>Umsetzung - Webanwendung</a:t>
             </a:r>
-            <a:endParaRPr lang="de-DE" dirty="0"/>
           </a:p>
         </p:txBody>
       </p:sp>
@@ -18056,7 +17554,7 @@
               <a:buNone/>
             </a:pPr>
             <a:r>
-              <a:rPr lang="de-DE" b="1" dirty="0" smtClean="0"/>
+              <a:rPr lang="de-DE" b="1" dirty="0"/>
               <a:t>Backend - Technologie</a:t>
             </a:r>
           </a:p>
@@ -18066,14 +17564,14 @@
               <a:buChar char="•"/>
             </a:pPr>
             <a:r>
-              <a:rPr lang="de-DE" dirty="0" smtClean="0"/>
+              <a:rPr lang="de-DE" dirty="0"/>
               <a:t> </a:t>
             </a:r>
             <a:r>
-              <a:rPr lang="de-DE" dirty="0" err="1" smtClean="0"/>
+              <a:rPr lang="de-DE" dirty="0" err="1"/>
               <a:t>Firebase</a:t>
             </a:r>
-            <a:endParaRPr lang="de-DE" dirty="0" smtClean="0"/>
+            <a:endParaRPr lang="de-DE" dirty="0"/>
           </a:p>
         </p:txBody>
       </p:sp>
